--- a/make_presentation/templates/templates/classic/_41.pptx
+++ b/make_presentation/templates/templates/classic/_41.pptx
@@ -332,7 +332,7 @@
             <a:pPr algn="r">
               <a:buNone/>
             </a:pPr>
-            <a:fld id="{D4AA791C-B9BE-4E2B-AE0F-CF4244E45A03}" type="slidenum">
+            <a:fld id="{D59A4ACE-05DB-4674-834B-2B9C88ADC719}" type="slidenum">
               <a:rPr b="0" lang="en-US" sz="1400" spc="-1" strike="noStrike">
                 <a:latin typeface="Times New Roman"/>
               </a:rPr>
@@ -380,7 +380,7 @@
         <p:spPr>
           <a:xfrm>
             <a:off x="380880" y="685800"/>
-            <a:ext cx="6090840" cy="3423960"/>
+            <a:ext cx="6090480" cy="3423600"/>
           </a:xfrm>
           <a:prstGeom prst="rect">
             <a:avLst/>
@@ -403,7 +403,7 @@
         <p:spPr>
           <a:xfrm>
             <a:off x="685800" y="4343400"/>
-            <a:ext cx="5481360" cy="4109760"/>
+            <a:ext cx="5481000" cy="4109400"/>
           </a:xfrm>
           <a:prstGeom prst="rect">
             <a:avLst/>
@@ -437,7 +437,7 @@
         <p:spPr>
           <a:xfrm>
             <a:off x="3884760" y="8685360"/>
-            <a:ext cx="2966760" cy="452160"/>
+            <a:ext cx="2966400" cy="451800"/>
           </a:xfrm>
           <a:prstGeom prst="rect">
             <a:avLst/>
@@ -473,7 +473,7 @@
               </a:lnSpc>
               <a:buNone/>
             </a:pPr>
-            <a:fld id="{C17FA202-BF7A-4AA3-B117-9A2188D89AE5}" type="slidenum">
+            <a:fld id="{2D7CE122-3453-41C3-ABC2-2FF186CAA57C}" type="slidenum">
               <a:rPr b="0" lang="en-US" sz="1200" spc="-1" strike="noStrike">
                 <a:solidFill>
                   <a:srgbClr val="000000"/>
@@ -524,7 +524,7 @@
         <p:spPr>
           <a:xfrm>
             <a:off x="380880" y="685800"/>
-            <a:ext cx="6090840" cy="3423960"/>
+            <a:ext cx="6090480" cy="3423600"/>
           </a:xfrm>
           <a:prstGeom prst="rect">
             <a:avLst/>
@@ -547,7 +547,7 @@
         <p:spPr>
           <a:xfrm>
             <a:off x="685800" y="4343400"/>
-            <a:ext cx="5481360" cy="4109760"/>
+            <a:ext cx="5481000" cy="4109400"/>
           </a:xfrm>
           <a:prstGeom prst="rect">
             <a:avLst/>
@@ -581,7 +581,7 @@
         <p:spPr>
           <a:xfrm>
             <a:off x="3884760" y="8685360"/>
-            <a:ext cx="2966760" cy="452160"/>
+            <a:ext cx="2966400" cy="451800"/>
           </a:xfrm>
           <a:prstGeom prst="rect">
             <a:avLst/>
@@ -617,7 +617,7 @@
               </a:lnSpc>
               <a:buNone/>
             </a:pPr>
-            <a:fld id="{2D0B0223-E623-4F9B-AD6B-3DDE16EECD75}" type="slidenum">
+            <a:fld id="{1285854E-5D06-49CE-8D20-C684801B80A5}" type="slidenum">
               <a:rPr b="0" lang="en-US" sz="1200" spc="-1" strike="noStrike">
                 <a:solidFill>
                   <a:srgbClr val="000000"/>
@@ -668,7 +668,7 @@
         <p:spPr>
           <a:xfrm>
             <a:off x="380880" y="685800"/>
-            <a:ext cx="6090840" cy="3423960"/>
+            <a:ext cx="6090480" cy="3423600"/>
           </a:xfrm>
           <a:prstGeom prst="rect">
             <a:avLst/>
@@ -691,7 +691,7 @@
         <p:spPr>
           <a:xfrm>
             <a:off x="685800" y="4343400"/>
-            <a:ext cx="5481360" cy="4109760"/>
+            <a:ext cx="5481000" cy="4109400"/>
           </a:xfrm>
           <a:prstGeom prst="rect">
             <a:avLst/>
@@ -725,7 +725,7 @@
         <p:spPr>
           <a:xfrm>
             <a:off x="3884760" y="8685360"/>
-            <a:ext cx="2966760" cy="452160"/>
+            <a:ext cx="2966400" cy="451800"/>
           </a:xfrm>
           <a:prstGeom prst="rect">
             <a:avLst/>
@@ -761,7 +761,7 @@
               </a:lnSpc>
               <a:buNone/>
             </a:pPr>
-            <a:fld id="{0020777B-46EB-4F9E-B2D4-43D082902323}" type="slidenum">
+            <a:fld id="{F37C8124-B214-416F-A475-32A8862DA041}" type="slidenum">
               <a:rPr b="0" lang="en-US" sz="1200" spc="-1" strike="noStrike">
                 <a:solidFill>
                   <a:srgbClr val="000000"/>
@@ -812,7 +812,7 @@
         <p:spPr>
           <a:xfrm>
             <a:off x="380880" y="685800"/>
-            <a:ext cx="6090840" cy="3423960"/>
+            <a:ext cx="6090480" cy="3423600"/>
           </a:xfrm>
           <a:prstGeom prst="rect">
             <a:avLst/>
@@ -835,7 +835,7 @@
         <p:spPr>
           <a:xfrm>
             <a:off x="685800" y="4343400"/>
-            <a:ext cx="5481360" cy="4109760"/>
+            <a:ext cx="5481000" cy="4109400"/>
           </a:xfrm>
           <a:prstGeom prst="rect">
             <a:avLst/>
@@ -869,7 +869,7 @@
         <p:spPr>
           <a:xfrm>
             <a:off x="3884760" y="8685360"/>
-            <a:ext cx="2966760" cy="452160"/>
+            <a:ext cx="2966400" cy="451800"/>
           </a:xfrm>
           <a:prstGeom prst="rect">
             <a:avLst/>
@@ -905,7 +905,7 @@
               </a:lnSpc>
               <a:buNone/>
             </a:pPr>
-            <a:fld id="{A576EB79-4D32-4640-91F4-62A33485AA81}" type="slidenum">
+            <a:fld id="{811AFF60-3960-4106-ABE3-35E40F9F3731}" type="slidenum">
               <a:rPr b="0" lang="en-US" sz="1200" spc="-1" strike="noStrike">
                 <a:solidFill>
                   <a:srgbClr val="000000"/>
@@ -956,7 +956,7 @@
         <p:spPr>
           <a:xfrm>
             <a:off x="380880" y="685800"/>
-            <a:ext cx="6090840" cy="3423960"/>
+            <a:ext cx="6090480" cy="3423600"/>
           </a:xfrm>
           <a:prstGeom prst="rect">
             <a:avLst/>
@@ -979,7 +979,7 @@
         <p:spPr>
           <a:xfrm>
             <a:off x="685800" y="4343400"/>
-            <a:ext cx="5481360" cy="4109760"/>
+            <a:ext cx="5481000" cy="4109400"/>
           </a:xfrm>
           <a:prstGeom prst="rect">
             <a:avLst/>
@@ -1013,7 +1013,7 @@
         <p:spPr>
           <a:xfrm>
             <a:off x="3884760" y="8685360"/>
-            <a:ext cx="2966760" cy="452160"/>
+            <a:ext cx="2966400" cy="451800"/>
           </a:xfrm>
           <a:prstGeom prst="rect">
             <a:avLst/>
@@ -1049,7 +1049,7 @@
               </a:lnSpc>
               <a:buNone/>
             </a:pPr>
-            <a:fld id="{64D5E435-B840-40C7-91C5-DB29E96CE79C}" type="slidenum">
+            <a:fld id="{E8D5E77C-E6E5-4237-ADB1-B3F91671F281}" type="slidenum">
               <a:rPr b="0" lang="en-US" sz="1200" spc="-1" strike="noStrike">
                 <a:solidFill>
                   <a:srgbClr val="000000"/>
@@ -1100,7 +1100,7 @@
         <p:spPr>
           <a:xfrm>
             <a:off x="380880" y="685800"/>
-            <a:ext cx="6090840" cy="3423960"/>
+            <a:ext cx="6090480" cy="3423600"/>
           </a:xfrm>
           <a:prstGeom prst="rect">
             <a:avLst/>
@@ -1123,7 +1123,7 @@
         <p:spPr>
           <a:xfrm>
             <a:off x="685800" y="4343400"/>
-            <a:ext cx="5481360" cy="4109760"/>
+            <a:ext cx="5481000" cy="4109400"/>
           </a:xfrm>
           <a:prstGeom prst="rect">
             <a:avLst/>
@@ -1157,7 +1157,7 @@
         <p:spPr>
           <a:xfrm>
             <a:off x="3884760" y="8685360"/>
-            <a:ext cx="2966760" cy="452160"/>
+            <a:ext cx="2966400" cy="451800"/>
           </a:xfrm>
           <a:prstGeom prst="rect">
             <a:avLst/>
@@ -1193,7 +1193,7 @@
               </a:lnSpc>
               <a:buNone/>
             </a:pPr>
-            <a:fld id="{A67CC04E-0ED5-4D6C-8FAA-F1B1A4F8B75C}" type="slidenum">
+            <a:fld id="{909BE4CD-F97E-49DE-84BC-FF5430ADECB3}" type="slidenum">
               <a:rPr b="0" lang="en-US" sz="1200" spc="-1" strike="noStrike">
                 <a:solidFill>
                   <a:srgbClr val="000000"/>
@@ -1244,7 +1244,7 @@
         <p:spPr>
           <a:xfrm>
             <a:off x="380880" y="685800"/>
-            <a:ext cx="6090840" cy="3423960"/>
+            <a:ext cx="6090480" cy="3423600"/>
           </a:xfrm>
           <a:prstGeom prst="rect">
             <a:avLst/>
@@ -1267,7 +1267,7 @@
         <p:spPr>
           <a:xfrm>
             <a:off x="685800" y="4343400"/>
-            <a:ext cx="5481360" cy="4109760"/>
+            <a:ext cx="5481000" cy="4109400"/>
           </a:xfrm>
           <a:prstGeom prst="rect">
             <a:avLst/>
@@ -1301,7 +1301,7 @@
         <p:spPr>
           <a:xfrm>
             <a:off x="3884760" y="8685360"/>
-            <a:ext cx="2966760" cy="452160"/>
+            <a:ext cx="2966400" cy="451800"/>
           </a:xfrm>
           <a:prstGeom prst="rect">
             <a:avLst/>
@@ -1337,7 +1337,7 @@
               </a:lnSpc>
               <a:buNone/>
             </a:pPr>
-            <a:fld id="{453B69BC-78C7-4005-AAC5-0CEB4C3B667F}" type="slidenum">
+            <a:fld id="{F4133325-6035-45C9-B075-88550917315C}" type="slidenum">
               <a:rPr b="0" lang="en-US" sz="1200" spc="-1" strike="noStrike">
                 <a:solidFill>
                   <a:srgbClr val="000000"/>
@@ -1388,7 +1388,7 @@
         <p:spPr>
           <a:xfrm>
             <a:off x="380880" y="685800"/>
-            <a:ext cx="6090840" cy="3423960"/>
+            <a:ext cx="6090480" cy="3423600"/>
           </a:xfrm>
           <a:prstGeom prst="rect">
             <a:avLst/>
@@ -1411,7 +1411,7 @@
         <p:spPr>
           <a:xfrm>
             <a:off x="685800" y="4343400"/>
-            <a:ext cx="5481360" cy="4109760"/>
+            <a:ext cx="5481000" cy="4109400"/>
           </a:xfrm>
           <a:prstGeom prst="rect">
             <a:avLst/>
@@ -1445,7 +1445,7 @@
         <p:spPr>
           <a:xfrm>
             <a:off x="3884760" y="8685360"/>
-            <a:ext cx="2966760" cy="452160"/>
+            <a:ext cx="2966400" cy="451800"/>
           </a:xfrm>
           <a:prstGeom prst="rect">
             <a:avLst/>
@@ -1481,7 +1481,7 @@
               </a:lnSpc>
               <a:buNone/>
             </a:pPr>
-            <a:fld id="{2F232718-A21F-4ECF-BC21-8BDD93D7A7D0}" type="slidenum">
+            <a:fld id="{142CE7B7-70CD-4DC8-BD69-9138B47D50BE}" type="slidenum">
               <a:rPr b="0" lang="en-US" sz="1200" spc="-1" strike="noStrike">
                 <a:solidFill>
                   <a:srgbClr val="000000"/>
@@ -1532,7 +1532,7 @@
         <p:spPr>
           <a:xfrm>
             <a:off x="380880" y="685800"/>
-            <a:ext cx="6090840" cy="3423960"/>
+            <a:ext cx="6090480" cy="3423600"/>
           </a:xfrm>
           <a:prstGeom prst="rect">
             <a:avLst/>
@@ -1555,7 +1555,7 @@
         <p:spPr>
           <a:xfrm>
             <a:off x="685800" y="4343400"/>
-            <a:ext cx="5481360" cy="4109760"/>
+            <a:ext cx="5481000" cy="4109400"/>
           </a:xfrm>
           <a:prstGeom prst="rect">
             <a:avLst/>
@@ -1589,7 +1589,7 @@
         <p:spPr>
           <a:xfrm>
             <a:off x="3884760" y="8685360"/>
-            <a:ext cx="2966760" cy="452160"/>
+            <a:ext cx="2966400" cy="451800"/>
           </a:xfrm>
           <a:prstGeom prst="rect">
             <a:avLst/>
@@ -1625,7 +1625,7 @@
               </a:lnSpc>
               <a:buNone/>
             </a:pPr>
-            <a:fld id="{16FEF763-CA6C-4294-B3AE-8F60D3DE89CF}" type="slidenum">
+            <a:fld id="{30120B82-0531-4FA2-BF81-B054F0A5AD5D}" type="slidenum">
               <a:rPr b="0" lang="en-US" sz="1200" spc="-1" strike="noStrike">
                 <a:solidFill>
                   <a:srgbClr val="000000"/>
@@ -1676,7 +1676,7 @@
         <p:spPr>
           <a:xfrm>
             <a:off x="380880" y="685800"/>
-            <a:ext cx="6090840" cy="3423960"/>
+            <a:ext cx="6090480" cy="3423600"/>
           </a:xfrm>
           <a:prstGeom prst="rect">
             <a:avLst/>
@@ -1699,7 +1699,7 @@
         <p:spPr>
           <a:xfrm>
             <a:off x="685800" y="4343400"/>
-            <a:ext cx="5481360" cy="4109760"/>
+            <a:ext cx="5481000" cy="4109400"/>
           </a:xfrm>
           <a:prstGeom prst="rect">
             <a:avLst/>
@@ -1733,7 +1733,7 @@
         <p:spPr>
           <a:xfrm>
             <a:off x="3884760" y="8685360"/>
-            <a:ext cx="2966760" cy="452160"/>
+            <a:ext cx="2966400" cy="451800"/>
           </a:xfrm>
           <a:prstGeom prst="rect">
             <a:avLst/>
@@ -1769,7 +1769,7 @@
               </a:lnSpc>
               <a:buNone/>
             </a:pPr>
-            <a:fld id="{ABD9EC1B-2C6A-4AC6-A6D4-9E3546961917}" type="slidenum">
+            <a:fld id="{BDDDEEE9-7117-4DBC-A58F-BCB171698E75}" type="slidenum">
               <a:rPr b="0" lang="en-US" sz="1200" spc="-1" strike="noStrike">
                 <a:solidFill>
                   <a:srgbClr val="000000"/>
@@ -1820,7 +1820,7 @@
         <p:spPr>
           <a:xfrm>
             <a:off x="380880" y="685800"/>
-            <a:ext cx="6090840" cy="3423960"/>
+            <a:ext cx="6090480" cy="3423600"/>
           </a:xfrm>
           <a:prstGeom prst="rect">
             <a:avLst/>
@@ -1843,7 +1843,7 @@
         <p:spPr>
           <a:xfrm>
             <a:off x="685800" y="4343400"/>
-            <a:ext cx="5481360" cy="4109760"/>
+            <a:ext cx="5481000" cy="4109400"/>
           </a:xfrm>
           <a:prstGeom prst="rect">
             <a:avLst/>
@@ -1877,7 +1877,7 @@
         <p:spPr>
           <a:xfrm>
             <a:off x="3884760" y="8685360"/>
-            <a:ext cx="2966760" cy="452160"/>
+            <a:ext cx="2966400" cy="451800"/>
           </a:xfrm>
           <a:prstGeom prst="rect">
             <a:avLst/>
@@ -1913,7 +1913,7 @@
               </a:lnSpc>
               <a:buNone/>
             </a:pPr>
-            <a:fld id="{C52DDE59-32ED-4C39-8C9B-79504C19C50C}" type="slidenum">
+            <a:fld id="{480BA88C-AA90-45D9-A0CD-C89B1BF4B0BD}" type="slidenum">
               <a:rPr b="0" lang="en-US" sz="1200" spc="-1" strike="noStrike">
                 <a:solidFill>
                   <a:srgbClr val="000000"/>
@@ -1964,7 +1964,7 @@
         <p:spPr>
           <a:xfrm>
             <a:off x="380880" y="685800"/>
-            <a:ext cx="6090840" cy="3423960"/>
+            <a:ext cx="6090480" cy="3423600"/>
           </a:xfrm>
           <a:prstGeom prst="rect">
             <a:avLst/>
@@ -1987,7 +1987,7 @@
         <p:spPr>
           <a:xfrm>
             <a:off x="685800" y="4343400"/>
-            <a:ext cx="5481360" cy="4109760"/>
+            <a:ext cx="5481000" cy="4109400"/>
           </a:xfrm>
           <a:prstGeom prst="rect">
             <a:avLst/>
@@ -2021,7 +2021,7 @@
         <p:spPr>
           <a:xfrm>
             <a:off x="3884760" y="8685360"/>
-            <a:ext cx="2966760" cy="452160"/>
+            <a:ext cx="2966400" cy="451800"/>
           </a:xfrm>
           <a:prstGeom prst="rect">
             <a:avLst/>
@@ -2057,7 +2057,7 @@
               </a:lnSpc>
               <a:buNone/>
             </a:pPr>
-            <a:fld id="{BCDE55CA-A9EC-4F5C-BF1E-B19E1BF16359}" type="slidenum">
+            <a:fld id="{D165DAEF-46D7-4E7C-92D9-D18458139071}" type="slidenum">
               <a:rPr b="0" lang="en-US" sz="1200" spc="-1" strike="noStrike">
                 <a:solidFill>
                   <a:srgbClr val="000000"/>
@@ -2108,7 +2108,7 @@
         <p:spPr>
           <a:xfrm>
             <a:off x="380880" y="685800"/>
-            <a:ext cx="6090840" cy="3423960"/>
+            <a:ext cx="6090480" cy="3423600"/>
           </a:xfrm>
           <a:prstGeom prst="rect">
             <a:avLst/>
@@ -2131,7 +2131,7 @@
         <p:spPr>
           <a:xfrm>
             <a:off x="685800" y="4343400"/>
-            <a:ext cx="5481360" cy="4109760"/>
+            <a:ext cx="5481000" cy="4109400"/>
           </a:xfrm>
           <a:prstGeom prst="rect">
             <a:avLst/>
@@ -2165,7 +2165,7 @@
         <p:spPr>
           <a:xfrm>
             <a:off x="3884760" y="8685360"/>
-            <a:ext cx="2966760" cy="452160"/>
+            <a:ext cx="2966400" cy="451800"/>
           </a:xfrm>
           <a:prstGeom prst="rect">
             <a:avLst/>
@@ -2201,7 +2201,7 @@
               </a:lnSpc>
               <a:buNone/>
             </a:pPr>
-            <a:fld id="{6390C213-8139-4517-BEEA-44C18F723082}" type="slidenum">
+            <a:fld id="{9A00F222-D38F-4972-8922-237F72ACF264}" type="slidenum">
               <a:rPr b="0" lang="en-US" sz="1200" spc="-1" strike="noStrike">
                 <a:solidFill>
                   <a:srgbClr val="000000"/>
@@ -2252,7 +2252,7 @@
         <p:spPr>
           <a:xfrm>
             <a:off x="380880" y="685800"/>
-            <a:ext cx="6090840" cy="3423960"/>
+            <a:ext cx="6090480" cy="3423600"/>
           </a:xfrm>
           <a:prstGeom prst="rect">
             <a:avLst/>
@@ -2275,7 +2275,7 @@
         <p:spPr>
           <a:xfrm>
             <a:off x="685800" y="4343400"/>
-            <a:ext cx="5481360" cy="4109760"/>
+            <a:ext cx="5481000" cy="4109400"/>
           </a:xfrm>
           <a:prstGeom prst="rect">
             <a:avLst/>
@@ -2309,7 +2309,7 @@
         <p:spPr>
           <a:xfrm>
             <a:off x="3884760" y="8685360"/>
-            <a:ext cx="2966760" cy="452160"/>
+            <a:ext cx="2966400" cy="451800"/>
           </a:xfrm>
           <a:prstGeom prst="rect">
             <a:avLst/>
@@ -2345,7 +2345,7 @@
               </a:lnSpc>
               <a:buNone/>
             </a:pPr>
-            <a:fld id="{AF6F1D9B-9413-4B3C-8062-EF3ED11D5926}" type="slidenum">
+            <a:fld id="{73A36802-C666-4880-A3C6-75FF1774C7D9}" type="slidenum">
               <a:rPr b="0" lang="en-US" sz="1200" spc="-1" strike="noStrike">
                 <a:solidFill>
                   <a:srgbClr val="000000"/>
@@ -2396,7 +2396,7 @@
         <p:spPr>
           <a:xfrm>
             <a:off x="380880" y="685800"/>
-            <a:ext cx="6090840" cy="3423960"/>
+            <a:ext cx="6090480" cy="3423600"/>
           </a:xfrm>
           <a:prstGeom prst="rect">
             <a:avLst/>
@@ -2419,7 +2419,7 @@
         <p:spPr>
           <a:xfrm>
             <a:off x="685800" y="4343400"/>
-            <a:ext cx="5481360" cy="4109760"/>
+            <a:ext cx="5481000" cy="4109400"/>
           </a:xfrm>
           <a:prstGeom prst="rect">
             <a:avLst/>
@@ -2453,7 +2453,7 @@
         <p:spPr>
           <a:xfrm>
             <a:off x="3884760" y="8685360"/>
-            <a:ext cx="2966760" cy="452160"/>
+            <a:ext cx="2966400" cy="451800"/>
           </a:xfrm>
           <a:prstGeom prst="rect">
             <a:avLst/>
@@ -2489,7 +2489,7 @@
               </a:lnSpc>
               <a:buNone/>
             </a:pPr>
-            <a:fld id="{FAD81409-9E1C-4527-A8EB-1203B669F95D}" type="slidenum">
+            <a:fld id="{C20042EA-7A86-4F14-9A98-EB6CA615AC7A}" type="slidenum">
               <a:rPr b="0" lang="en-US" sz="1200" spc="-1" strike="noStrike">
                 <a:solidFill>
                   <a:srgbClr val="000000"/>
@@ -2540,7 +2540,7 @@
         <p:spPr>
           <a:xfrm>
             <a:off x="380880" y="685800"/>
-            <a:ext cx="6090840" cy="3423960"/>
+            <a:ext cx="6090480" cy="3423600"/>
           </a:xfrm>
           <a:prstGeom prst="rect">
             <a:avLst/>
@@ -2563,7 +2563,7 @@
         <p:spPr>
           <a:xfrm>
             <a:off x="685800" y="4343400"/>
-            <a:ext cx="5481360" cy="4109760"/>
+            <a:ext cx="5481000" cy="4109400"/>
           </a:xfrm>
           <a:prstGeom prst="rect">
             <a:avLst/>
@@ -2597,7 +2597,7 @@
         <p:spPr>
           <a:xfrm>
             <a:off x="3884760" y="8685360"/>
-            <a:ext cx="2966760" cy="452160"/>
+            <a:ext cx="2966400" cy="451800"/>
           </a:xfrm>
           <a:prstGeom prst="rect">
             <a:avLst/>
@@ -2633,7 +2633,7 @@
               </a:lnSpc>
               <a:buNone/>
             </a:pPr>
-            <a:fld id="{C2A54973-1643-49BA-A382-69AFADF17FD4}" type="slidenum">
+            <a:fld id="{89D062E3-94F1-4B37-B57F-C52EE4489239}" type="slidenum">
               <a:rPr b="0" lang="en-US" sz="1200" spc="-1" strike="noStrike">
                 <a:solidFill>
                   <a:srgbClr val="000000"/>
@@ -2684,7 +2684,7 @@
         <p:spPr>
           <a:xfrm>
             <a:off x="380880" y="685800"/>
-            <a:ext cx="6090840" cy="3423960"/>
+            <a:ext cx="6090480" cy="3423600"/>
           </a:xfrm>
           <a:prstGeom prst="rect">
             <a:avLst/>
@@ -2707,7 +2707,7 @@
         <p:spPr>
           <a:xfrm>
             <a:off x="685800" y="4343400"/>
-            <a:ext cx="5481360" cy="4109760"/>
+            <a:ext cx="5481000" cy="4109400"/>
           </a:xfrm>
           <a:prstGeom prst="rect">
             <a:avLst/>
@@ -2741,7 +2741,7 @@
         <p:spPr>
           <a:xfrm>
             <a:off x="3884760" y="8685360"/>
-            <a:ext cx="2966760" cy="452160"/>
+            <a:ext cx="2966400" cy="451800"/>
           </a:xfrm>
           <a:prstGeom prst="rect">
             <a:avLst/>
@@ -2777,7 +2777,7 @@
               </a:lnSpc>
               <a:buNone/>
             </a:pPr>
-            <a:fld id="{6B144520-6210-48A3-8D63-69F10B93783C}" type="slidenum">
+            <a:fld id="{688C7E24-4035-41BC-A603-CA7BAD9C3F48}" type="slidenum">
               <a:rPr b="0" lang="en-US" sz="1200" spc="-1" strike="noStrike">
                 <a:solidFill>
                   <a:srgbClr val="000000"/>
@@ -2828,7 +2828,7 @@
         <p:spPr>
           <a:xfrm>
             <a:off x="380880" y="685800"/>
-            <a:ext cx="6090840" cy="3423960"/>
+            <a:ext cx="6090480" cy="3423600"/>
           </a:xfrm>
           <a:prstGeom prst="rect">
             <a:avLst/>
@@ -2851,7 +2851,7 @@
         <p:spPr>
           <a:xfrm>
             <a:off x="685800" y="4343400"/>
-            <a:ext cx="5481360" cy="4109760"/>
+            <a:ext cx="5481000" cy="4109400"/>
           </a:xfrm>
           <a:prstGeom prst="rect">
             <a:avLst/>
@@ -2885,7 +2885,7 @@
         <p:spPr>
           <a:xfrm>
             <a:off x="3884760" y="8685360"/>
-            <a:ext cx="2966760" cy="452160"/>
+            <a:ext cx="2966400" cy="451800"/>
           </a:xfrm>
           <a:prstGeom prst="rect">
             <a:avLst/>
@@ -2921,7 +2921,7 @@
               </a:lnSpc>
               <a:buNone/>
             </a:pPr>
-            <a:fld id="{B2AC7405-415D-483B-B130-63AE3DA2EFEB}" type="slidenum">
+            <a:fld id="{9813B9A2-6438-4CE3-9091-354C69789AE2}" type="slidenum">
               <a:rPr b="0" lang="en-US" sz="1200" spc="-1" strike="noStrike">
                 <a:solidFill>
                   <a:srgbClr val="000000"/>
@@ -2972,7 +2972,7 @@
         <p:spPr>
           <a:xfrm>
             <a:off x="380880" y="685800"/>
-            <a:ext cx="6090840" cy="3423960"/>
+            <a:ext cx="6090480" cy="3423600"/>
           </a:xfrm>
           <a:prstGeom prst="rect">
             <a:avLst/>
@@ -2995,7 +2995,7 @@
         <p:spPr>
           <a:xfrm>
             <a:off x="685800" y="4343400"/>
-            <a:ext cx="5481360" cy="4109760"/>
+            <a:ext cx="5481000" cy="4109400"/>
           </a:xfrm>
           <a:prstGeom prst="rect">
             <a:avLst/>
@@ -3029,7 +3029,7 @@
         <p:spPr>
           <a:xfrm>
             <a:off x="3884760" y="8685360"/>
-            <a:ext cx="2966760" cy="452160"/>
+            <a:ext cx="2966400" cy="451800"/>
           </a:xfrm>
           <a:prstGeom prst="rect">
             <a:avLst/>
@@ -3065,7 +3065,7 @@
               </a:lnSpc>
               <a:buNone/>
             </a:pPr>
-            <a:fld id="{863943FD-91F9-4CF5-BBCC-B8C4CB0374DE}" type="slidenum">
+            <a:fld id="{BA28F96C-86FA-4085-81EB-F67ADB73FF36}" type="slidenum">
               <a:rPr b="0" lang="en-US" sz="1200" spc="-1" strike="noStrike">
                 <a:solidFill>
                   <a:srgbClr val="000000"/>
@@ -3116,7 +3116,7 @@
         <p:spPr>
           <a:xfrm>
             <a:off x="380880" y="685800"/>
-            <a:ext cx="6090840" cy="3423960"/>
+            <a:ext cx="6090480" cy="3423600"/>
           </a:xfrm>
           <a:prstGeom prst="rect">
             <a:avLst/>
@@ -3139,7 +3139,7 @@
         <p:spPr>
           <a:xfrm>
             <a:off x="685800" y="4343400"/>
-            <a:ext cx="5481360" cy="4109760"/>
+            <a:ext cx="5481000" cy="4109400"/>
           </a:xfrm>
           <a:prstGeom prst="rect">
             <a:avLst/>
@@ -3173,7 +3173,7 @@
         <p:spPr>
           <a:xfrm>
             <a:off x="3884760" y="8685360"/>
-            <a:ext cx="2966760" cy="452160"/>
+            <a:ext cx="2966400" cy="451800"/>
           </a:xfrm>
           <a:prstGeom prst="rect">
             <a:avLst/>
@@ -3209,7 +3209,7 @@
               </a:lnSpc>
               <a:buNone/>
             </a:pPr>
-            <a:fld id="{6EC59C76-8397-4EA0-BEB4-02398D7FCEA4}" type="slidenum">
+            <a:fld id="{FFCA01C6-6AB1-432F-B87C-BA0FFA85C58A}" type="slidenum">
               <a:rPr b="0" lang="en-US" sz="1200" spc="-1" strike="noStrike">
                 <a:solidFill>
                   <a:srgbClr val="000000"/>
@@ -3260,7 +3260,7 @@
         <p:spPr>
           <a:xfrm>
             <a:off x="380880" y="685800"/>
-            <a:ext cx="6090840" cy="3423960"/>
+            <a:ext cx="6090480" cy="3423600"/>
           </a:xfrm>
           <a:prstGeom prst="rect">
             <a:avLst/>
@@ -3283,7 +3283,7 @@
         <p:spPr>
           <a:xfrm>
             <a:off x="685800" y="4343400"/>
-            <a:ext cx="5481360" cy="4109760"/>
+            <a:ext cx="5481000" cy="4109400"/>
           </a:xfrm>
           <a:prstGeom prst="rect">
             <a:avLst/>
@@ -3317,7 +3317,7 @@
         <p:spPr>
           <a:xfrm>
             <a:off x="3884760" y="8685360"/>
-            <a:ext cx="2966760" cy="452160"/>
+            <a:ext cx="2966400" cy="451800"/>
           </a:xfrm>
           <a:prstGeom prst="rect">
             <a:avLst/>
@@ -3353,7 +3353,7 @@
               </a:lnSpc>
               <a:buNone/>
             </a:pPr>
-            <a:fld id="{1F40A750-AB4B-4C59-B666-334C2350E42A}" type="slidenum">
+            <a:fld id="{62965F32-A7D2-40F9-A51C-9DBF2983CAE1}" type="slidenum">
               <a:rPr b="0" lang="en-US" sz="1200" spc="-1" strike="noStrike">
                 <a:solidFill>
                   <a:srgbClr val="000000"/>
@@ -3404,7 +3404,7 @@
         <p:spPr>
           <a:xfrm>
             <a:off x="380880" y="685800"/>
-            <a:ext cx="6090840" cy="3423960"/>
+            <a:ext cx="6090480" cy="3423600"/>
           </a:xfrm>
           <a:prstGeom prst="rect">
             <a:avLst/>
@@ -3427,7 +3427,7 @@
         <p:spPr>
           <a:xfrm>
             <a:off x="685800" y="4343400"/>
-            <a:ext cx="5481360" cy="4109760"/>
+            <a:ext cx="5481000" cy="4109400"/>
           </a:xfrm>
           <a:prstGeom prst="rect">
             <a:avLst/>
@@ -3461,7 +3461,7 @@
         <p:spPr>
           <a:xfrm>
             <a:off x="3884760" y="8685360"/>
-            <a:ext cx="2966760" cy="452160"/>
+            <a:ext cx="2966400" cy="451800"/>
           </a:xfrm>
           <a:prstGeom prst="rect">
             <a:avLst/>
@@ -3497,7 +3497,7 @@
               </a:lnSpc>
               <a:buNone/>
             </a:pPr>
-            <a:fld id="{7FCA8F8A-56E1-4241-A8F9-794AE2AB2BBE}" type="slidenum">
+            <a:fld id="{36EC7F12-51CA-487E-B562-C12B68BD17DE}" type="slidenum">
               <a:rPr b="0" lang="en-US" sz="1200" spc="-1" strike="noStrike">
                 <a:solidFill>
                   <a:srgbClr val="000000"/>
@@ -3548,7 +3548,7 @@
         <p:spPr>
           <a:xfrm>
             <a:off x="380880" y="685800"/>
-            <a:ext cx="6090840" cy="3423960"/>
+            <a:ext cx="6090480" cy="3423600"/>
           </a:xfrm>
           <a:prstGeom prst="rect">
             <a:avLst/>
@@ -3571,7 +3571,7 @@
         <p:spPr>
           <a:xfrm>
             <a:off x="685800" y="4343400"/>
-            <a:ext cx="5481360" cy="4109760"/>
+            <a:ext cx="5481000" cy="4109400"/>
           </a:xfrm>
           <a:prstGeom prst="rect">
             <a:avLst/>
@@ -3605,7 +3605,7 @@
         <p:spPr>
           <a:xfrm>
             <a:off x="3884760" y="8685360"/>
-            <a:ext cx="2966760" cy="452160"/>
+            <a:ext cx="2966400" cy="451800"/>
           </a:xfrm>
           <a:prstGeom prst="rect">
             <a:avLst/>
@@ -3641,7 +3641,7 @@
               </a:lnSpc>
               <a:buNone/>
             </a:pPr>
-            <a:fld id="{5ACC7EDF-8E30-4B7B-9828-9738536FDB2F}" type="slidenum">
+            <a:fld id="{435FE523-C5BB-409A-9F94-F032F188525B}" type="slidenum">
               <a:rPr b="0" lang="en-US" sz="1200" spc="-1" strike="noStrike">
                 <a:solidFill>
                   <a:srgbClr val="000000"/>
@@ -3692,7 +3692,7 @@
         <p:spPr>
           <a:xfrm>
             <a:off x="380880" y="685800"/>
-            <a:ext cx="6090840" cy="3423960"/>
+            <a:ext cx="6090480" cy="3423600"/>
           </a:xfrm>
           <a:prstGeom prst="rect">
             <a:avLst/>
@@ -3715,7 +3715,7 @@
         <p:spPr>
           <a:xfrm>
             <a:off x="685800" y="4343400"/>
-            <a:ext cx="5481360" cy="4109760"/>
+            <a:ext cx="5481000" cy="4109400"/>
           </a:xfrm>
           <a:prstGeom prst="rect">
             <a:avLst/>
@@ -3749,7 +3749,7 @@
         <p:spPr>
           <a:xfrm>
             <a:off x="3884760" y="8685360"/>
-            <a:ext cx="2966760" cy="452160"/>
+            <a:ext cx="2966400" cy="451800"/>
           </a:xfrm>
           <a:prstGeom prst="rect">
             <a:avLst/>
@@ -3785,7 +3785,7 @@
               </a:lnSpc>
               <a:buNone/>
             </a:pPr>
-            <a:fld id="{461F6C84-02E8-4893-97C7-05AF6452AF81}" type="slidenum">
+            <a:fld id="{A14A958C-84A5-421A-8E2F-71B10586D65F}" type="slidenum">
               <a:rPr b="0" lang="en-US" sz="1200" spc="-1" strike="noStrike">
                 <a:solidFill>
                   <a:srgbClr val="000000"/>
@@ -3836,7 +3836,7 @@
         <p:spPr>
           <a:xfrm>
             <a:off x="380880" y="685800"/>
-            <a:ext cx="6090840" cy="3423960"/>
+            <a:ext cx="6090480" cy="3423600"/>
           </a:xfrm>
           <a:prstGeom prst="rect">
             <a:avLst/>
@@ -3859,7 +3859,7 @@
         <p:spPr>
           <a:xfrm>
             <a:off x="685800" y="4343400"/>
-            <a:ext cx="5481360" cy="4109760"/>
+            <a:ext cx="5481000" cy="4109400"/>
           </a:xfrm>
           <a:prstGeom prst="rect">
             <a:avLst/>
@@ -3893,7 +3893,7 @@
         <p:spPr>
           <a:xfrm>
             <a:off x="3884760" y="8685360"/>
-            <a:ext cx="2966760" cy="452160"/>
+            <a:ext cx="2966400" cy="451800"/>
           </a:xfrm>
           <a:prstGeom prst="rect">
             <a:avLst/>
@@ -3929,7 +3929,7 @@
               </a:lnSpc>
               <a:buNone/>
             </a:pPr>
-            <a:fld id="{19B78C78-7ECF-4AE2-8FB2-6FE01472573E}" type="slidenum">
+            <a:fld id="{E3C56078-3234-420F-9941-07AA137FB741}" type="slidenum">
               <a:rPr b="0" lang="en-US" sz="1200" spc="-1" strike="noStrike">
                 <a:solidFill>
                   <a:srgbClr val="000000"/>
@@ -3980,7 +3980,7 @@
         <p:spPr>
           <a:xfrm>
             <a:off x="380880" y="685800"/>
-            <a:ext cx="6090840" cy="3423960"/>
+            <a:ext cx="6090480" cy="3423600"/>
           </a:xfrm>
           <a:prstGeom prst="rect">
             <a:avLst/>
@@ -4003,7 +4003,7 @@
         <p:spPr>
           <a:xfrm>
             <a:off x="685800" y="4343400"/>
-            <a:ext cx="5481360" cy="4109760"/>
+            <a:ext cx="5481000" cy="4109400"/>
           </a:xfrm>
           <a:prstGeom prst="rect">
             <a:avLst/>
@@ -4037,7 +4037,7 @@
         <p:spPr>
           <a:xfrm>
             <a:off x="3884760" y="8685360"/>
-            <a:ext cx="2966760" cy="452160"/>
+            <a:ext cx="2966400" cy="451800"/>
           </a:xfrm>
           <a:prstGeom prst="rect">
             <a:avLst/>
@@ -4073,7 +4073,7 @@
               </a:lnSpc>
               <a:buNone/>
             </a:pPr>
-            <a:fld id="{506F7489-59AA-4D31-A72C-047BB803CBB1}" type="slidenum">
+            <a:fld id="{66E94A3D-3D6A-4F2F-B831-CC0871337186}" type="slidenum">
               <a:rPr b="0" lang="en-US" sz="1200" spc="-1" strike="noStrike">
                 <a:solidFill>
                   <a:srgbClr val="000000"/>
@@ -4124,7 +4124,7 @@
         <p:spPr>
           <a:xfrm>
             <a:off x="380880" y="685800"/>
-            <a:ext cx="6090840" cy="3423960"/>
+            <a:ext cx="6090480" cy="3423600"/>
           </a:xfrm>
           <a:prstGeom prst="rect">
             <a:avLst/>
@@ -4147,7 +4147,7 @@
         <p:spPr>
           <a:xfrm>
             <a:off x="685800" y="4343400"/>
-            <a:ext cx="5481360" cy="4109760"/>
+            <a:ext cx="5481000" cy="4109400"/>
           </a:xfrm>
           <a:prstGeom prst="rect">
             <a:avLst/>
@@ -4181,7 +4181,7 @@
         <p:spPr>
           <a:xfrm>
             <a:off x="3884760" y="8685360"/>
-            <a:ext cx="2966760" cy="452160"/>
+            <a:ext cx="2966400" cy="451800"/>
           </a:xfrm>
           <a:prstGeom prst="rect">
             <a:avLst/>
@@ -4217,7 +4217,7 @@
               </a:lnSpc>
               <a:buNone/>
             </a:pPr>
-            <a:fld id="{18AED261-093F-477A-9063-8C0584A6830C}" type="slidenum">
+            <a:fld id="{B3EEEA33-5E4A-4FA3-BFE5-0B468BF74E06}" type="slidenum">
               <a:rPr b="0" lang="en-US" sz="1200" spc="-1" strike="noStrike">
                 <a:solidFill>
                   <a:srgbClr val="000000"/>
@@ -4268,7 +4268,7 @@
         <p:spPr>
           <a:xfrm>
             <a:off x="380880" y="685800"/>
-            <a:ext cx="6090840" cy="3423960"/>
+            <a:ext cx="6090480" cy="3423600"/>
           </a:xfrm>
           <a:prstGeom prst="rect">
             <a:avLst/>
@@ -4291,7 +4291,7 @@
         <p:spPr>
           <a:xfrm>
             <a:off x="685800" y="4343400"/>
-            <a:ext cx="5481360" cy="4109760"/>
+            <a:ext cx="5481000" cy="4109400"/>
           </a:xfrm>
           <a:prstGeom prst="rect">
             <a:avLst/>
@@ -4325,7 +4325,7 @@
         <p:spPr>
           <a:xfrm>
             <a:off x="3884760" y="8685360"/>
-            <a:ext cx="2966760" cy="452160"/>
+            <a:ext cx="2966400" cy="451800"/>
           </a:xfrm>
           <a:prstGeom prst="rect">
             <a:avLst/>
@@ -4361,7 +4361,7 @@
               </a:lnSpc>
               <a:buNone/>
             </a:pPr>
-            <a:fld id="{3C2641E2-1553-4F0B-8E28-D730A41677F0}" type="slidenum">
+            <a:fld id="{B1022786-E119-4C75-8DC7-BC71820341E8}" type="slidenum">
               <a:rPr b="0" lang="en-US" sz="1200" spc="-1" strike="noStrike">
                 <a:solidFill>
                   <a:srgbClr val="000000"/>
@@ -4412,7 +4412,7 @@
         <p:spPr>
           <a:xfrm>
             <a:off x="380880" y="685800"/>
-            <a:ext cx="6090840" cy="3423960"/>
+            <a:ext cx="6090480" cy="3423600"/>
           </a:xfrm>
           <a:prstGeom prst="rect">
             <a:avLst/>
@@ -4435,7 +4435,7 @@
         <p:spPr>
           <a:xfrm>
             <a:off x="685800" y="4343400"/>
-            <a:ext cx="5481360" cy="4109760"/>
+            <a:ext cx="5481000" cy="4109400"/>
           </a:xfrm>
           <a:prstGeom prst="rect">
             <a:avLst/>
@@ -4469,7 +4469,7 @@
         <p:spPr>
           <a:xfrm>
             <a:off x="3884760" y="8685360"/>
-            <a:ext cx="2966760" cy="452160"/>
+            <a:ext cx="2966400" cy="451800"/>
           </a:xfrm>
           <a:prstGeom prst="rect">
             <a:avLst/>
@@ -4505,7 +4505,7 @@
               </a:lnSpc>
               <a:buNone/>
             </a:pPr>
-            <a:fld id="{C7F831FD-00E7-4420-88C7-38FF22594095}" type="slidenum">
+            <a:fld id="{D38CD249-8E0C-45EA-AFE0-749B8085897F}" type="slidenum">
               <a:rPr b="0" lang="en-US" sz="1200" spc="-1" strike="noStrike">
                 <a:solidFill>
                   <a:srgbClr val="000000"/>
@@ -4556,7 +4556,7 @@
         <p:spPr>
           <a:xfrm>
             <a:off x="380880" y="685800"/>
-            <a:ext cx="6090840" cy="3423960"/>
+            <a:ext cx="6090480" cy="3423600"/>
           </a:xfrm>
           <a:prstGeom prst="rect">
             <a:avLst/>
@@ -4579,7 +4579,7 @@
         <p:spPr>
           <a:xfrm>
             <a:off x="685800" y="4343400"/>
-            <a:ext cx="5481360" cy="4109760"/>
+            <a:ext cx="5481000" cy="4109400"/>
           </a:xfrm>
           <a:prstGeom prst="rect">
             <a:avLst/>
@@ -4613,7 +4613,7 @@
         <p:spPr>
           <a:xfrm>
             <a:off x="3884760" y="8685360"/>
-            <a:ext cx="2966760" cy="452160"/>
+            <a:ext cx="2966400" cy="451800"/>
           </a:xfrm>
           <a:prstGeom prst="rect">
             <a:avLst/>
@@ -4649,7 +4649,7 @@
               </a:lnSpc>
               <a:buNone/>
             </a:pPr>
-            <a:fld id="{2DD46704-79E0-4306-8455-3D118718F3EE}" type="slidenum">
+            <a:fld id="{1E17300A-DEED-47F9-9D24-93B503891C27}" type="slidenum">
               <a:rPr b="0" lang="en-US" sz="1200" spc="-1" strike="noStrike">
                 <a:solidFill>
                   <a:srgbClr val="000000"/>
@@ -4700,7 +4700,7 @@
         <p:spPr>
           <a:xfrm>
             <a:off x="380880" y="685800"/>
-            <a:ext cx="6090840" cy="3423960"/>
+            <a:ext cx="6090480" cy="3423600"/>
           </a:xfrm>
           <a:prstGeom prst="rect">
             <a:avLst/>
@@ -4723,7 +4723,7 @@
         <p:spPr>
           <a:xfrm>
             <a:off x="685800" y="4343400"/>
-            <a:ext cx="5481360" cy="4109760"/>
+            <a:ext cx="5481000" cy="4109400"/>
           </a:xfrm>
           <a:prstGeom prst="rect">
             <a:avLst/>
@@ -4757,7 +4757,7 @@
         <p:spPr>
           <a:xfrm>
             <a:off x="3884760" y="8685360"/>
-            <a:ext cx="2966760" cy="452160"/>
+            <a:ext cx="2966400" cy="451800"/>
           </a:xfrm>
           <a:prstGeom prst="rect">
             <a:avLst/>
@@ -4793,7 +4793,7 @@
               </a:lnSpc>
               <a:buNone/>
             </a:pPr>
-            <a:fld id="{F8BFFBF6-2A75-40FD-8575-E0DF85E7A6C6}" type="slidenum">
+            <a:fld id="{ABC7CFD4-2BDB-44EF-8BB6-E7AFD2B82C86}" type="slidenum">
               <a:rPr b="0" lang="en-US" sz="1200" spc="-1" strike="noStrike">
                 <a:solidFill>
                   <a:srgbClr val="000000"/>
@@ -4844,7 +4844,7 @@
         <p:spPr>
           <a:xfrm>
             <a:off x="380880" y="685800"/>
-            <a:ext cx="6090840" cy="3423960"/>
+            <a:ext cx="6090480" cy="3423600"/>
           </a:xfrm>
           <a:prstGeom prst="rect">
             <a:avLst/>
@@ -4867,7 +4867,7 @@
         <p:spPr>
           <a:xfrm>
             <a:off x="685800" y="4343400"/>
-            <a:ext cx="5481360" cy="4109760"/>
+            <a:ext cx="5481000" cy="4109400"/>
           </a:xfrm>
           <a:prstGeom prst="rect">
             <a:avLst/>
@@ -4901,7 +4901,7 @@
         <p:spPr>
           <a:xfrm>
             <a:off x="3884760" y="8685360"/>
-            <a:ext cx="2966760" cy="452160"/>
+            <a:ext cx="2966400" cy="451800"/>
           </a:xfrm>
           <a:prstGeom prst="rect">
             <a:avLst/>
@@ -4937,7 +4937,7 @@
               </a:lnSpc>
               <a:buNone/>
             </a:pPr>
-            <a:fld id="{B09887F2-88F0-4B1D-A173-F7B06CF74F10}" type="slidenum">
+            <a:fld id="{8856EC17-C886-4CBC-9FDF-1BEC7624E124}" type="slidenum">
               <a:rPr b="0" lang="en-US" sz="1200" spc="-1" strike="noStrike">
                 <a:solidFill>
                   <a:srgbClr val="000000"/>
@@ -4988,7 +4988,7 @@
         <p:spPr>
           <a:xfrm>
             <a:off x="380880" y="685800"/>
-            <a:ext cx="6090840" cy="3423960"/>
+            <a:ext cx="6090480" cy="3423600"/>
           </a:xfrm>
           <a:prstGeom prst="rect">
             <a:avLst/>
@@ -5011,7 +5011,7 @@
         <p:spPr>
           <a:xfrm>
             <a:off x="685800" y="4343400"/>
-            <a:ext cx="5481360" cy="4109760"/>
+            <a:ext cx="5481000" cy="4109400"/>
           </a:xfrm>
           <a:prstGeom prst="rect">
             <a:avLst/>
@@ -5045,7 +5045,7 @@
         <p:spPr>
           <a:xfrm>
             <a:off x="3884760" y="8685360"/>
-            <a:ext cx="2966760" cy="452160"/>
+            <a:ext cx="2966400" cy="451800"/>
           </a:xfrm>
           <a:prstGeom prst="rect">
             <a:avLst/>
@@ -5081,7 +5081,7 @@
               </a:lnSpc>
               <a:buNone/>
             </a:pPr>
-            <a:fld id="{FEAD5494-A30E-4EB8-9EA0-6EA34C539B0E}" type="slidenum">
+            <a:fld id="{3EC93422-4D84-4E38-AD67-80B4544F0E84}" type="slidenum">
               <a:rPr b="0" lang="en-US" sz="1200" spc="-1" strike="noStrike">
                 <a:solidFill>
                   <a:srgbClr val="000000"/>
@@ -5132,7 +5132,7 @@
         <p:spPr>
           <a:xfrm>
             <a:off x="380880" y="685800"/>
-            <a:ext cx="6090840" cy="3423960"/>
+            <a:ext cx="6090480" cy="3423600"/>
           </a:xfrm>
           <a:prstGeom prst="rect">
             <a:avLst/>
@@ -5155,7 +5155,7 @@
         <p:spPr>
           <a:xfrm>
             <a:off x="685800" y="4343400"/>
-            <a:ext cx="5481360" cy="4109760"/>
+            <a:ext cx="5481000" cy="4109400"/>
           </a:xfrm>
           <a:prstGeom prst="rect">
             <a:avLst/>
@@ -5189,7 +5189,7 @@
         <p:spPr>
           <a:xfrm>
             <a:off x="3884760" y="8685360"/>
-            <a:ext cx="2966760" cy="452160"/>
+            <a:ext cx="2966400" cy="451800"/>
           </a:xfrm>
           <a:prstGeom prst="rect">
             <a:avLst/>
@@ -5225,7 +5225,7 @@
               </a:lnSpc>
               <a:buNone/>
             </a:pPr>
-            <a:fld id="{C0E84F46-B222-4402-B86A-AC1A52994B31}" type="slidenum">
+            <a:fld id="{35225884-6A4F-40B4-847E-1B813D1A8FBA}" type="slidenum">
               <a:rPr b="0" lang="en-US" sz="1200" spc="-1" strike="noStrike">
                 <a:solidFill>
                   <a:srgbClr val="000000"/>
@@ -5276,7 +5276,7 @@
         <p:spPr>
           <a:xfrm>
             <a:off x="380880" y="685800"/>
-            <a:ext cx="6090840" cy="3423960"/>
+            <a:ext cx="6090480" cy="3423600"/>
           </a:xfrm>
           <a:prstGeom prst="rect">
             <a:avLst/>
@@ -5299,7 +5299,7 @@
         <p:spPr>
           <a:xfrm>
             <a:off x="685800" y="4343400"/>
-            <a:ext cx="5481360" cy="4109760"/>
+            <a:ext cx="5481000" cy="4109400"/>
           </a:xfrm>
           <a:prstGeom prst="rect">
             <a:avLst/>
@@ -5333,7 +5333,7 @@
         <p:spPr>
           <a:xfrm>
             <a:off x="3884760" y="8685360"/>
-            <a:ext cx="2966760" cy="452160"/>
+            <a:ext cx="2966400" cy="451800"/>
           </a:xfrm>
           <a:prstGeom prst="rect">
             <a:avLst/>
@@ -5369,7 +5369,7 @@
               </a:lnSpc>
               <a:buNone/>
             </a:pPr>
-            <a:fld id="{517A530E-538D-4A09-A0EC-46B81CF796B3}" type="slidenum">
+            <a:fld id="{8F097E0E-F134-4C73-B7AB-891E50276DD5}" type="slidenum">
               <a:rPr b="0" lang="en-US" sz="1200" spc="-1" strike="noStrike">
                 <a:solidFill>
                   <a:srgbClr val="000000"/>
@@ -5420,7 +5420,7 @@
         <p:spPr>
           <a:xfrm>
             <a:off x="380880" y="685800"/>
-            <a:ext cx="6090840" cy="3423960"/>
+            <a:ext cx="6090480" cy="3423600"/>
           </a:xfrm>
           <a:prstGeom prst="rect">
             <a:avLst/>
@@ -5443,7 +5443,7 @@
         <p:spPr>
           <a:xfrm>
             <a:off x="685800" y="4343400"/>
-            <a:ext cx="5481360" cy="4109760"/>
+            <a:ext cx="5481000" cy="4109400"/>
           </a:xfrm>
           <a:prstGeom prst="rect">
             <a:avLst/>
@@ -5477,7 +5477,7 @@
         <p:spPr>
           <a:xfrm>
             <a:off x="3884760" y="8685360"/>
-            <a:ext cx="2966760" cy="452160"/>
+            <a:ext cx="2966400" cy="451800"/>
           </a:xfrm>
           <a:prstGeom prst="rect">
             <a:avLst/>
@@ -5513,7 +5513,7 @@
               </a:lnSpc>
               <a:buNone/>
             </a:pPr>
-            <a:fld id="{25C513DE-1A4D-46BE-8033-04787F29F195}" type="slidenum">
+            <a:fld id="{3B827436-1F61-4636-8580-3C48E6F158A2}" type="slidenum">
               <a:rPr b="0" lang="en-US" sz="1200" spc="-1" strike="noStrike">
                 <a:solidFill>
                   <a:srgbClr val="000000"/>
@@ -5564,7 +5564,7 @@
         <p:spPr>
           <a:xfrm>
             <a:off x="380880" y="685800"/>
-            <a:ext cx="6090840" cy="3423960"/>
+            <a:ext cx="6090480" cy="3423600"/>
           </a:xfrm>
           <a:prstGeom prst="rect">
             <a:avLst/>
@@ -5587,7 +5587,7 @@
         <p:spPr>
           <a:xfrm>
             <a:off x="685800" y="4343400"/>
-            <a:ext cx="5481360" cy="4109760"/>
+            <a:ext cx="5481000" cy="4109400"/>
           </a:xfrm>
           <a:prstGeom prst="rect">
             <a:avLst/>
@@ -5621,7 +5621,7 @@
         <p:spPr>
           <a:xfrm>
             <a:off x="3884760" y="8685360"/>
-            <a:ext cx="2966760" cy="452160"/>
+            <a:ext cx="2966400" cy="451800"/>
           </a:xfrm>
           <a:prstGeom prst="rect">
             <a:avLst/>
@@ -5657,7 +5657,7 @@
               </a:lnSpc>
               <a:buNone/>
             </a:pPr>
-            <a:fld id="{92651519-1795-465B-A21B-17FE0A999D1F}" type="slidenum">
+            <a:fld id="{BF526CBD-ECBC-449B-AA4E-247A8BD2897E}" type="slidenum">
               <a:rPr b="0" lang="en-US" sz="1200" spc="-1" strike="noStrike">
                 <a:solidFill>
                   <a:srgbClr val="000000"/>
@@ -5708,7 +5708,7 @@
         <p:spPr>
           <a:xfrm>
             <a:off x="380880" y="685800"/>
-            <a:ext cx="6090840" cy="3423960"/>
+            <a:ext cx="6090480" cy="3423600"/>
           </a:xfrm>
           <a:prstGeom prst="rect">
             <a:avLst/>
@@ -5731,7 +5731,7 @@
         <p:spPr>
           <a:xfrm>
             <a:off x="685800" y="4343400"/>
-            <a:ext cx="5481360" cy="4109760"/>
+            <a:ext cx="5481000" cy="4109400"/>
           </a:xfrm>
           <a:prstGeom prst="rect">
             <a:avLst/>
@@ -5765,7 +5765,7 @@
         <p:spPr>
           <a:xfrm>
             <a:off x="3884760" y="8685360"/>
-            <a:ext cx="2966760" cy="452160"/>
+            <a:ext cx="2966400" cy="451800"/>
           </a:xfrm>
           <a:prstGeom prst="rect">
             <a:avLst/>
@@ -5801,7 +5801,7 @@
               </a:lnSpc>
               <a:buNone/>
             </a:pPr>
-            <a:fld id="{F8A3B766-F3F9-4B0F-9295-DABF47D80FFE}" type="slidenum">
+            <a:fld id="{3564BC5A-C01F-49D6-BB1F-C3E5F7BC2A7F}" type="slidenum">
               <a:rPr b="0" lang="en-US" sz="1200" spc="-1" strike="noStrike">
                 <a:solidFill>
                   <a:srgbClr val="000000"/>
@@ -5852,7 +5852,7 @@
         <p:spPr>
           <a:xfrm>
             <a:off x="380880" y="685800"/>
-            <a:ext cx="6090840" cy="3423960"/>
+            <a:ext cx="6090480" cy="3423600"/>
           </a:xfrm>
           <a:prstGeom prst="rect">
             <a:avLst/>
@@ -5875,7 +5875,7 @@
         <p:spPr>
           <a:xfrm>
             <a:off x="685800" y="4343400"/>
-            <a:ext cx="5481360" cy="4109760"/>
+            <a:ext cx="5481000" cy="4109400"/>
           </a:xfrm>
           <a:prstGeom prst="rect">
             <a:avLst/>
@@ -5909,7 +5909,7 @@
         <p:spPr>
           <a:xfrm>
             <a:off x="3884760" y="8685360"/>
-            <a:ext cx="2966760" cy="452160"/>
+            <a:ext cx="2966400" cy="451800"/>
           </a:xfrm>
           <a:prstGeom prst="rect">
             <a:avLst/>
@@ -5945,7 +5945,7 @@
               </a:lnSpc>
               <a:buNone/>
             </a:pPr>
-            <a:fld id="{92ACE36C-FB88-45D0-B7DE-332898444614}" type="slidenum">
+            <a:fld id="{E4396DDD-FF23-4292-A685-24534727DA8E}" type="slidenum">
               <a:rPr b="0" lang="en-US" sz="1200" spc="-1" strike="noStrike">
                 <a:solidFill>
                   <a:srgbClr val="000000"/>
@@ -5996,7 +5996,7 @@
         <p:spPr>
           <a:xfrm>
             <a:off x="380880" y="685800"/>
-            <a:ext cx="6090840" cy="3423960"/>
+            <a:ext cx="6090480" cy="3423600"/>
           </a:xfrm>
           <a:prstGeom prst="rect">
             <a:avLst/>
@@ -6019,7 +6019,7 @@
         <p:spPr>
           <a:xfrm>
             <a:off x="685800" y="4343400"/>
-            <a:ext cx="5481360" cy="4109760"/>
+            <a:ext cx="5481000" cy="4109400"/>
           </a:xfrm>
           <a:prstGeom prst="rect">
             <a:avLst/>
@@ -6053,7 +6053,7 @@
         <p:spPr>
           <a:xfrm>
             <a:off x="3884760" y="8685360"/>
-            <a:ext cx="2966760" cy="452160"/>
+            <a:ext cx="2966400" cy="451800"/>
           </a:xfrm>
           <a:prstGeom prst="rect">
             <a:avLst/>
@@ -6089,7 +6089,7 @@
               </a:lnSpc>
               <a:buNone/>
             </a:pPr>
-            <a:fld id="{16B87715-6295-4E71-BAA7-8A03720FD7C7}" type="slidenum">
+            <a:fld id="{6B41B639-8F2E-487D-9CA8-5A63C90912EB}" type="slidenum">
               <a:rPr b="0" lang="en-US" sz="1200" spc="-1" strike="noStrike">
                 <a:solidFill>
                   <a:srgbClr val="000000"/>
@@ -6140,7 +6140,7 @@
         <p:spPr>
           <a:xfrm>
             <a:off x="380880" y="685800"/>
-            <a:ext cx="6090840" cy="3423960"/>
+            <a:ext cx="6090480" cy="3423600"/>
           </a:xfrm>
           <a:prstGeom prst="rect">
             <a:avLst/>
@@ -6163,7 +6163,7 @@
         <p:spPr>
           <a:xfrm>
             <a:off x="685800" y="4343400"/>
-            <a:ext cx="5481360" cy="4109760"/>
+            <a:ext cx="5481000" cy="4109400"/>
           </a:xfrm>
           <a:prstGeom prst="rect">
             <a:avLst/>
@@ -6197,7 +6197,7 @@
         <p:spPr>
           <a:xfrm>
             <a:off x="3884760" y="8685360"/>
-            <a:ext cx="2966760" cy="452160"/>
+            <a:ext cx="2966400" cy="451800"/>
           </a:xfrm>
           <a:prstGeom prst="rect">
             <a:avLst/>
@@ -6233,7 +6233,7 @@
               </a:lnSpc>
               <a:buNone/>
             </a:pPr>
-            <a:fld id="{E085813F-D135-4335-81DC-AEDAE1B36238}" type="slidenum">
+            <a:fld id="{1E398727-FF7F-4370-8A61-28B528865D8F}" type="slidenum">
               <a:rPr b="0" lang="en-US" sz="1200" spc="-1" strike="noStrike">
                 <a:solidFill>
                   <a:srgbClr val="000000"/>
@@ -6305,7 +6305,7 @@
         <p:txBody>
           <a:bodyPr/>
           <a:p>
-            <a:fld id="{4A6775DC-D385-4E15-B3C7-B2D20FFDDF96}" type="slidenum">
+            <a:fld id="{CA1635C9-18A3-4924-889B-98E5459F4F20}" type="slidenum">
               <a:t>&lt;#&gt;</a:t>
             </a:fld>
           </a:p>
@@ -6493,7 +6493,7 @@
         <p:txBody>
           <a:bodyPr/>
           <a:p>
-            <a:fld id="{46F8301B-253E-45C0-A664-5FD6A8125AF0}" type="slidenum">
+            <a:fld id="{5F9AB25F-0E29-4319-8453-BF071D6BED4F}" type="slidenum">
               <a:t>&lt;#&gt;</a:t>
             </a:fld>
           </a:p>
@@ -6749,7 +6749,7 @@
         <p:txBody>
           <a:bodyPr/>
           <a:p>
-            <a:fld id="{62F1860B-C83E-465F-BBC8-E81FAED6F319}" type="slidenum">
+            <a:fld id="{97EC17E5-CB52-4EB0-B15E-0AC294784D59}" type="slidenum">
               <a:t>&lt;#&gt;</a:t>
             </a:fld>
           </a:p>
@@ -7073,7 +7073,7 @@
         <p:txBody>
           <a:bodyPr/>
           <a:p>
-            <a:fld id="{2BFC7D50-97AE-4F0C-B442-78E6E8964E5D}" type="slidenum">
+            <a:fld id="{B5DC3068-FD4A-4589-B3A8-7DFA29EFC7E9}" type="slidenum">
               <a:t>&lt;#&gt;</a:t>
             </a:fld>
           </a:p>
@@ -7230,7 +7230,7 @@
         <p:txBody>
           <a:bodyPr/>
           <a:p>
-            <a:fld id="{8308F924-8F17-489A-8AF6-4220554066CA}" type="slidenum">
+            <a:fld id="{93DFCBCA-F6D4-4A2A-926D-6599AE4ABB62}" type="slidenum">
               <a:t>&lt;#&gt;</a:t>
             </a:fld>
           </a:p>
@@ -7384,7 +7384,7 @@
         <p:txBody>
           <a:bodyPr/>
           <a:p>
-            <a:fld id="{91D8413F-B2E1-4D1A-A2F9-B3538CA0C6B7}" type="slidenum">
+            <a:fld id="{7D46792B-A44A-453D-814E-E6FD6A24322F}" type="slidenum">
               <a:t>&lt;#&gt;</a:t>
             </a:fld>
           </a:p>
@@ -7572,7 +7572,7 @@
         <p:txBody>
           <a:bodyPr/>
           <a:p>
-            <a:fld id="{2C1018AB-747C-40A1-94F4-D1B42778B261}" type="slidenum">
+            <a:fld id="{534ABFD4-9112-4932-A33A-E41A0F0F7C40}" type="slidenum">
               <a:t>&lt;#&gt;</a:t>
             </a:fld>
           </a:p>
@@ -7692,7 +7692,7 @@
         <p:txBody>
           <a:bodyPr/>
           <a:p>
-            <a:fld id="{9208D7B8-855D-4280-B5AD-F5BFDC00C40F}" type="slidenum">
+            <a:fld id="{60404979-9664-4682-814A-689E4C301CEB}" type="slidenum">
               <a:t>&lt;#&gt;</a:t>
             </a:fld>
           </a:p>
@@ -7812,7 +7812,7 @@
         <p:txBody>
           <a:bodyPr/>
           <a:p>
-            <a:fld id="{ABB4CDD3-2AD6-40C7-AD3E-BA9CD56063B8}" type="slidenum">
+            <a:fld id="{BC5044D6-356E-45E5-935A-EAE9544A2648}" type="slidenum">
               <a:t>&lt;#&gt;</a:t>
             </a:fld>
           </a:p>
@@ -8034,7 +8034,7 @@
         <p:txBody>
           <a:bodyPr/>
           <a:p>
-            <a:fld id="{C23E8874-28FD-48AB-9119-4441E6AE7D0E}" type="slidenum">
+            <a:fld id="{2DB4DB57-5DE9-478B-8291-BEA79DFD2222}" type="slidenum">
               <a:t>&lt;#&gt;</a:t>
             </a:fld>
           </a:p>
@@ -8256,7 +8256,7 @@
         <p:txBody>
           <a:bodyPr/>
           <a:p>
-            <a:fld id="{0F15309D-B0CB-4A44-8CE4-1BF71DE8D9B5}" type="slidenum">
+            <a:fld id="{52B63401-F4C7-44E5-BD1E-B42D346BAC30}" type="slidenum">
               <a:t>&lt;#&gt;</a:t>
             </a:fld>
           </a:p>
@@ -8478,7 +8478,7 @@
         <p:txBody>
           <a:bodyPr/>
           <a:p>
-            <a:fld id="{8A2CF9EB-7EC2-42DF-8021-832B02954669}" type="slidenum">
+            <a:fld id="{7A55F018-04C2-4D59-8F86-F15A5DF7D162}" type="slidenum">
               <a:t>&lt;#&gt;</a:t>
             </a:fld>
           </a:p>
@@ -8547,7 +8547,7 @@
         <p:spPr>
           <a:xfrm>
             <a:off x="3028680" y="4771440"/>
-            <a:ext cx="3081600" cy="269640"/>
+            <a:ext cx="3081240" cy="269280"/>
           </a:xfrm>
           <a:prstGeom prst="rect">
             <a:avLst/>
@@ -8612,7 +8612,7 @@
         <p:spPr>
           <a:xfrm>
             <a:off x="6457680" y="4771440"/>
-            <a:ext cx="2053080" cy="269640"/>
+            <a:ext cx="2052720" cy="269280"/>
           </a:xfrm>
           <a:prstGeom prst="rect">
             <a:avLst/>
@@ -8648,7 +8648,7 @@
               </a:lnSpc>
               <a:buNone/>
             </a:pPr>
-            <a:fld id="{579A1E92-E787-4A73-8800-1D24E78CA3BE}" type="slidenum">
+            <a:fld id="{0C8D1EC5-D895-4B03-9689-B402340B176E}" type="slidenum">
               <a:rPr b="0" lang="en-US" sz="1200" spc="-1" strike="noStrike">
                 <a:solidFill>
                   <a:srgbClr val="8b8b8b"/>
@@ -8677,7 +8677,7 @@
         <p:spPr>
           <a:xfrm>
             <a:off x="628200" y="4771440"/>
-            <a:ext cx="2053080" cy="269640"/>
+            <a:ext cx="2052720" cy="269280"/>
           </a:xfrm>
           <a:prstGeom prst="rect">
             <a:avLst/>
@@ -8989,8 +8989,8 @@
         </p:nvSpPr>
         <p:spPr>
           <a:xfrm rot="2744400">
-            <a:off x="-280080" y="-25560"/>
-            <a:ext cx="703800" cy="703440"/>
+            <a:off x="-279720" y="-25560"/>
+            <a:ext cx="703440" cy="703080"/>
           </a:xfrm>
           <a:prstGeom prst="roundRect">
             <a:avLst>
@@ -9027,8 +9027,8 @@
         </p:nvSpPr>
         <p:spPr>
           <a:xfrm rot="2625600">
-            <a:off x="6024960" y="4332600"/>
-            <a:ext cx="467640" cy="467640"/>
+            <a:off x="6024960" y="4332240"/>
+            <a:ext cx="467280" cy="467280"/>
           </a:xfrm>
           <a:prstGeom prst="roundRect">
             <a:avLst>
@@ -9065,8 +9065,8 @@
         </p:nvSpPr>
         <p:spPr>
           <a:xfrm rot="18679200">
-            <a:off x="7003440" y="948600"/>
-            <a:ext cx="4939200" cy="4665600"/>
+            <a:off x="7003080" y="948600"/>
+            <a:ext cx="4938840" cy="4665240"/>
           </a:xfrm>
           <a:prstGeom prst="roundRect">
             <a:avLst>
@@ -9104,7 +9104,7 @@
         <p:spPr>
           <a:xfrm>
             <a:off x="459720" y="4671360"/>
-            <a:ext cx="2994840" cy="265680"/>
+            <a:ext cx="2994480" cy="265320"/>
           </a:xfrm>
           <a:prstGeom prst="rect">
             <a:avLst/>
@@ -9169,8 +9169,8 @@
         </p:blipFill>
         <p:spPr>
           <a:xfrm>
-            <a:off x="2423160" y="4671720"/>
-            <a:ext cx="287280" cy="287280"/>
+            <a:off x="3035160" y="4743720"/>
+            <a:ext cx="286920" cy="286920"/>
           </a:xfrm>
           <a:prstGeom prst="rect">
             <a:avLst/>
@@ -9189,7 +9189,7 @@
         <p:spPr>
           <a:xfrm>
             <a:off x="484920" y="1681560"/>
-            <a:ext cx="5480280" cy="1881720"/>
+            <a:ext cx="5479920" cy="1881360"/>
           </a:xfrm>
           <a:prstGeom prst="rect">
             <a:avLst/>
@@ -9277,8 +9277,8 @@
         </p:nvSpPr>
         <p:spPr>
           <a:xfrm rot="2744400">
-            <a:off x="-280080" y="-25560"/>
-            <a:ext cx="703800" cy="703440"/>
+            <a:off x="-279720" y="-25560"/>
+            <a:ext cx="703440" cy="703080"/>
           </a:xfrm>
           <a:prstGeom prst="roundRect">
             <a:avLst>
@@ -9316,7 +9316,7 @@
         <p:spPr>
           <a:xfrm rot="2332200">
             <a:off x="6009120" y="-319680"/>
-            <a:ext cx="4854960" cy="7725960"/>
+            <a:ext cx="4854600" cy="7725600"/>
           </a:xfrm>
           <a:prstGeom prst="roundRect">
             <a:avLst>
@@ -9354,9 +9354,9 @@
         <p:grpSpPr>
           <a:xfrm>
             <a:off x="4571640" y="828000"/>
-            <a:ext cx="4467600" cy="3563640"/>
+            <a:ext cx="4467240" cy="3563280"/>
             <a:chOff x="4571640" y="828000"/>
-            <a:chExt cx="4467600" cy="3563640"/>
+            <a:chExt cx="4467240" cy="3563280"/>
           </a:xfrm>
         </p:grpSpPr>
         <p:pic>
@@ -9372,7 +9372,7 @@
           <p:spPr>
             <a:xfrm>
               <a:off x="4571640" y="828000"/>
-              <a:ext cx="4467600" cy="3563640"/>
+              <a:ext cx="4467240" cy="3563280"/>
             </a:xfrm>
             <a:prstGeom prst="rect">
               <a:avLst/>
@@ -9390,8 +9390,8 @@
           </p:nvSpPr>
           <p:spPr>
             <a:xfrm rot="16200000">
-              <a:off x="5962680" y="1159560"/>
-              <a:ext cx="1736640" cy="2770560"/>
+              <a:off x="5962680" y="1159920"/>
+              <a:ext cx="1736280" cy="2770200"/>
             </a:xfrm>
             <a:prstGeom prst="roundRect">
               <a:avLst>
@@ -9458,7 +9458,7 @@
         <p:spPr>
           <a:xfrm>
             <a:off x="5446080" y="1672200"/>
-            <a:ext cx="2770200" cy="1736640"/>
+            <a:ext cx="2769840" cy="1736280"/>
           </a:xfrm>
           <a:prstGeom prst="rect">
             <a:avLst/>
@@ -9510,7 +9510,7 @@
         <p:spPr>
           <a:xfrm>
             <a:off x="586440" y="1246680"/>
-            <a:ext cx="4003560" cy="3599280"/>
+            <a:ext cx="4003200" cy="3598920"/>
           </a:xfrm>
           <a:prstGeom prst="rect">
             <a:avLst/>
@@ -9562,7 +9562,7 @@
         <p:spPr>
           <a:xfrm>
             <a:off x="586440" y="453960"/>
-            <a:ext cx="4763520" cy="854640"/>
+            <a:ext cx="4763160" cy="854280"/>
           </a:xfrm>
           <a:prstGeom prst="rect">
             <a:avLst/>
@@ -9650,8 +9650,8 @@
         </p:nvSpPr>
         <p:spPr>
           <a:xfrm rot="2745600">
-            <a:off x="8349840" y="-668160"/>
-            <a:ext cx="1497600" cy="1497600"/>
+            <a:off x="8349840" y="-667800"/>
+            <a:ext cx="1497240" cy="1497240"/>
           </a:xfrm>
           <a:prstGeom prst="roundRect">
             <a:avLst>
@@ -9689,7 +9689,7 @@
         <p:spPr>
           <a:xfrm rot="2745600">
             <a:off x="7634160" y="-322200"/>
-            <a:ext cx="806400" cy="806760"/>
+            <a:ext cx="806040" cy="806400"/>
           </a:xfrm>
           <a:prstGeom prst="roundRect">
             <a:avLst>
@@ -9728,7 +9728,7 @@
         <p:spPr>
           <a:xfrm>
             <a:off x="586440" y="899640"/>
-            <a:ext cx="7931160" cy="1536480"/>
+            <a:ext cx="7930800" cy="1536120"/>
           </a:xfrm>
           <a:prstGeom prst="rect">
             <a:avLst/>
@@ -9780,7 +9780,7 @@
         <p:spPr>
           <a:xfrm>
             <a:off x="608040" y="2545560"/>
-            <a:ext cx="3711600" cy="2255040"/>
+            <a:ext cx="3711240" cy="2254680"/>
           </a:xfrm>
           <a:prstGeom prst="rect">
             <a:avLst/>
@@ -9832,7 +9832,7 @@
         <p:spPr>
           <a:xfrm>
             <a:off x="4806360" y="2545560"/>
-            <a:ext cx="3711600" cy="2255040"/>
+            <a:ext cx="3711240" cy="2254680"/>
           </a:xfrm>
           <a:prstGeom prst="rect">
             <a:avLst/>
@@ -9884,7 +9884,7 @@
         <p:spPr>
           <a:xfrm>
             <a:off x="583200" y="450720"/>
-            <a:ext cx="7197480" cy="511560"/>
+            <a:ext cx="7197120" cy="511200"/>
           </a:xfrm>
           <a:prstGeom prst="rect">
             <a:avLst/>
@@ -9966,7 +9966,7 @@
         <p:spPr>
           <a:xfrm>
             <a:off x="586440" y="1246680"/>
-            <a:ext cx="4003560" cy="3599280"/>
+            <a:ext cx="4003200" cy="3598920"/>
           </a:xfrm>
           <a:prstGeom prst="rect">
             <a:avLst/>
@@ -10018,7 +10018,7 @@
         <p:spPr>
           <a:xfrm>
             <a:off x="559800" y="446040"/>
-            <a:ext cx="4282920" cy="682920"/>
+            <a:ext cx="4282560" cy="682560"/>
           </a:xfrm>
           <a:prstGeom prst="rect">
             <a:avLst/>
@@ -10070,7 +10070,7 @@
         <p:spPr>
           <a:xfrm>
             <a:off x="5097600" y="360"/>
-            <a:ext cx="4379040" cy="5143320"/>
+            <a:ext cx="4378680" cy="5142960"/>
           </a:xfrm>
           <a:prstGeom prst="roundRect">
             <a:avLst>
@@ -10135,8 +10135,8 @@
         </p:nvSpPr>
         <p:spPr>
           <a:xfrm rot="2744400">
-            <a:off x="-280080" y="-25560"/>
-            <a:ext cx="703800" cy="703440"/>
+            <a:off x="-279720" y="-25560"/>
+            <a:ext cx="703440" cy="703080"/>
           </a:xfrm>
           <a:prstGeom prst="roundRect">
             <a:avLst>
@@ -10173,8 +10173,8 @@
         </p:nvSpPr>
         <p:spPr>
           <a:xfrm rot="2625600">
-            <a:off x="4861080" y="4146480"/>
-            <a:ext cx="467640" cy="467640"/>
+            <a:off x="4861080" y="4146120"/>
+            <a:ext cx="467280" cy="467280"/>
           </a:xfrm>
           <a:prstGeom prst="roundRect">
             <a:avLst>
@@ -10248,8 +10248,8 @@
         </p:nvSpPr>
         <p:spPr>
           <a:xfrm rot="2744400">
-            <a:off x="-349200" y="4539600"/>
-            <a:ext cx="703800" cy="703440"/>
+            <a:off x="-348840" y="4539240"/>
+            <a:ext cx="703440" cy="703080"/>
           </a:xfrm>
           <a:prstGeom prst="roundRect">
             <a:avLst>
@@ -10286,8 +10286,8 @@
         </p:nvSpPr>
         <p:spPr>
           <a:xfrm rot="19228200">
-            <a:off x="5845680" y="-2265840"/>
-            <a:ext cx="4854600" cy="7725600"/>
+            <a:off x="5845680" y="-2265480"/>
+            <a:ext cx="4854240" cy="7725240"/>
           </a:xfrm>
           <a:prstGeom prst="roundRect">
             <a:avLst>
@@ -10325,9 +10325,9 @@
         <p:grpSpPr>
           <a:xfrm>
             <a:off x="4571640" y="828000"/>
-            <a:ext cx="4467600" cy="3563640"/>
+            <a:ext cx="4467240" cy="3563280"/>
             <a:chOff x="4571640" y="828000"/>
-            <a:chExt cx="4467600" cy="3563640"/>
+            <a:chExt cx="4467240" cy="3563280"/>
           </a:xfrm>
         </p:grpSpPr>
         <p:pic>
@@ -10343,7 +10343,7 @@
           <p:spPr>
             <a:xfrm>
               <a:off x="4571640" y="828000"/>
-              <a:ext cx="4467600" cy="3563640"/>
+              <a:ext cx="4467240" cy="3563280"/>
             </a:xfrm>
             <a:prstGeom prst="rect">
               <a:avLst/>
@@ -10361,8 +10361,8 @@
           </p:nvSpPr>
           <p:spPr>
             <a:xfrm rot="16200000">
-              <a:off x="5962680" y="1159560"/>
-              <a:ext cx="1736640" cy="2770560"/>
+              <a:off x="5962680" y="1159920"/>
+              <a:ext cx="1736280" cy="2770200"/>
             </a:xfrm>
             <a:prstGeom prst="roundRect">
               <a:avLst>
@@ -10429,7 +10429,7 @@
         <p:spPr>
           <a:xfrm>
             <a:off x="586440" y="1246680"/>
-            <a:ext cx="4003560" cy="3599280"/>
+            <a:ext cx="4003200" cy="3598920"/>
           </a:xfrm>
           <a:prstGeom prst="rect">
             <a:avLst/>
@@ -10481,7 +10481,7 @@
         <p:spPr>
           <a:xfrm>
             <a:off x="5446080" y="1672200"/>
-            <a:ext cx="2779560" cy="1736640"/>
+            <a:ext cx="2779200" cy="1736280"/>
           </a:xfrm>
           <a:prstGeom prst="rect">
             <a:avLst/>
@@ -10533,7 +10533,7 @@
         <p:spPr>
           <a:xfrm>
             <a:off x="586440" y="453960"/>
-            <a:ext cx="3696120" cy="854640"/>
+            <a:ext cx="3695760" cy="854280"/>
           </a:xfrm>
           <a:prstGeom prst="rect">
             <a:avLst/>
@@ -10622,7 +10622,7 @@
         <p:spPr>
           <a:xfrm>
             <a:off x="4222080" y="1246680"/>
-            <a:ext cx="4114440" cy="3599280"/>
+            <a:ext cx="4114080" cy="3598920"/>
           </a:xfrm>
           <a:prstGeom prst="rect">
             <a:avLst/>
@@ -10673,8 +10673,8 @@
         </p:nvSpPr>
         <p:spPr>
           <a:xfrm rot="16200000">
-            <a:off x="-2181600" y="1734120"/>
-            <a:ext cx="5143320" cy="1683360"/>
+            <a:off x="-2181600" y="1734480"/>
+            <a:ext cx="5142960" cy="1683000"/>
           </a:xfrm>
           <a:prstGeom prst="roundRect">
             <a:avLst>
@@ -10711,8 +10711,8 @@
         </p:nvSpPr>
         <p:spPr>
           <a:xfrm rot="2745000">
-            <a:off x="8575200" y="103320"/>
-            <a:ext cx="1131840" cy="1131480"/>
+            <a:off x="8575200" y="102960"/>
+            <a:ext cx="1131480" cy="1131120"/>
           </a:xfrm>
           <a:prstGeom prst="roundRect">
             <a:avLst>
@@ -10749,8 +10749,8 @@
         </p:nvSpPr>
         <p:spPr>
           <a:xfrm rot="16200000">
-            <a:off x="614880" y="919440"/>
-            <a:ext cx="3231360" cy="3313080"/>
+            <a:off x="614880" y="919800"/>
+            <a:ext cx="3231000" cy="3312720"/>
           </a:xfrm>
           <a:prstGeom prst="roundRect">
             <a:avLst>
@@ -10816,7 +10816,7 @@
         <p:spPr>
           <a:xfrm>
             <a:off x="4214160" y="456120"/>
-            <a:ext cx="4111200" cy="854640"/>
+            <a:ext cx="4110840" cy="854280"/>
           </a:xfrm>
           <a:prstGeom prst="rect">
             <a:avLst/>
@@ -10904,8 +10904,8 @@
         </p:nvSpPr>
         <p:spPr>
           <a:xfrm rot="2744400">
-            <a:off x="-280080" y="-25560"/>
-            <a:ext cx="703800" cy="703440"/>
+            <a:off x="-279720" y="-25560"/>
+            <a:ext cx="703440" cy="703080"/>
           </a:xfrm>
           <a:prstGeom prst="roundRect">
             <a:avLst>
@@ -10943,7 +10943,7 @@
         <p:spPr>
           <a:xfrm rot="2332200">
             <a:off x="6009120" y="-319680"/>
-            <a:ext cx="4854960" cy="7725960"/>
+            <a:ext cx="4854600" cy="7725600"/>
           </a:xfrm>
           <a:prstGeom prst="roundRect">
             <a:avLst>
@@ -10981,9 +10981,9 @@
         <p:grpSpPr>
           <a:xfrm>
             <a:off x="4571640" y="828000"/>
-            <a:ext cx="4467600" cy="3563640"/>
+            <a:ext cx="4467240" cy="3563280"/>
             <a:chOff x="4571640" y="828000"/>
-            <a:chExt cx="4467600" cy="3563640"/>
+            <a:chExt cx="4467240" cy="3563280"/>
           </a:xfrm>
         </p:grpSpPr>
         <p:pic>
@@ -10999,7 +10999,7 @@
           <p:spPr>
             <a:xfrm>
               <a:off x="4571640" y="828000"/>
-              <a:ext cx="4467600" cy="3563640"/>
+              <a:ext cx="4467240" cy="3563280"/>
             </a:xfrm>
             <a:prstGeom prst="rect">
               <a:avLst/>
@@ -11017,8 +11017,8 @@
           </p:nvSpPr>
           <p:spPr>
             <a:xfrm rot="16200000">
-              <a:off x="5962680" y="1159560"/>
-              <a:ext cx="1736640" cy="2770560"/>
+              <a:off x="5962680" y="1159920"/>
+              <a:ext cx="1736280" cy="2770200"/>
             </a:xfrm>
             <a:prstGeom prst="roundRect">
               <a:avLst>
@@ -11085,7 +11085,7 @@
         <p:spPr>
           <a:xfrm>
             <a:off x="5446080" y="1672200"/>
-            <a:ext cx="2770200" cy="1736640"/>
+            <a:ext cx="2769840" cy="1736280"/>
           </a:xfrm>
           <a:prstGeom prst="rect">
             <a:avLst/>
@@ -11137,7 +11137,7 @@
         <p:spPr>
           <a:xfrm>
             <a:off x="586440" y="1246680"/>
-            <a:ext cx="4003560" cy="3599280"/>
+            <a:ext cx="4003200" cy="3598920"/>
           </a:xfrm>
           <a:prstGeom prst="rect">
             <a:avLst/>
@@ -11189,7 +11189,7 @@
         <p:spPr>
           <a:xfrm>
             <a:off x="586440" y="453960"/>
-            <a:ext cx="4763520" cy="854640"/>
+            <a:ext cx="4763160" cy="854280"/>
           </a:xfrm>
           <a:prstGeom prst="rect">
             <a:avLst/>
@@ -11277,8 +11277,8 @@
         </p:nvSpPr>
         <p:spPr>
           <a:xfrm rot="2745600">
-            <a:off x="8349840" y="-668160"/>
-            <a:ext cx="1497600" cy="1497600"/>
+            <a:off x="8349840" y="-667800"/>
+            <a:ext cx="1497240" cy="1497240"/>
           </a:xfrm>
           <a:prstGeom prst="roundRect">
             <a:avLst>
@@ -11316,7 +11316,7 @@
         <p:spPr>
           <a:xfrm rot="2745600">
             <a:off x="7634160" y="-322200"/>
-            <a:ext cx="806400" cy="806760"/>
+            <a:ext cx="806040" cy="806400"/>
           </a:xfrm>
           <a:prstGeom prst="roundRect">
             <a:avLst>
@@ -11355,7 +11355,7 @@
         <p:spPr>
           <a:xfrm>
             <a:off x="586440" y="899640"/>
-            <a:ext cx="7931160" cy="1536480"/>
+            <a:ext cx="7930800" cy="1536120"/>
           </a:xfrm>
           <a:prstGeom prst="rect">
             <a:avLst/>
@@ -11407,7 +11407,7 @@
         <p:spPr>
           <a:xfrm>
             <a:off x="608040" y="2545560"/>
-            <a:ext cx="3711600" cy="2255040"/>
+            <a:ext cx="3711240" cy="2254680"/>
           </a:xfrm>
           <a:prstGeom prst="rect">
             <a:avLst/>
@@ -11459,7 +11459,7 @@
         <p:spPr>
           <a:xfrm>
             <a:off x="4806360" y="2545560"/>
-            <a:ext cx="3711600" cy="2255040"/>
+            <a:ext cx="3711240" cy="2254680"/>
           </a:xfrm>
           <a:prstGeom prst="rect">
             <a:avLst/>
@@ -11511,7 +11511,7 @@
         <p:spPr>
           <a:xfrm>
             <a:off x="583200" y="450720"/>
-            <a:ext cx="7197480" cy="511560"/>
+            <a:ext cx="7197120" cy="511200"/>
           </a:xfrm>
           <a:prstGeom prst="rect">
             <a:avLst/>
@@ -11593,7 +11593,7 @@
         <p:spPr>
           <a:xfrm>
             <a:off x="586440" y="1246680"/>
-            <a:ext cx="4003560" cy="3599280"/>
+            <a:ext cx="4003200" cy="3598920"/>
           </a:xfrm>
           <a:prstGeom prst="rect">
             <a:avLst/>
@@ -11645,7 +11645,7 @@
         <p:spPr>
           <a:xfrm>
             <a:off x="559800" y="446040"/>
-            <a:ext cx="4282920" cy="682920"/>
+            <a:ext cx="4282560" cy="682560"/>
           </a:xfrm>
           <a:prstGeom prst="rect">
             <a:avLst/>
@@ -11697,7 +11697,7 @@
         <p:spPr>
           <a:xfrm>
             <a:off x="5097600" y="360"/>
-            <a:ext cx="4379040" cy="5143320"/>
+            <a:ext cx="4378680" cy="5142960"/>
           </a:xfrm>
           <a:prstGeom prst="roundRect">
             <a:avLst>
@@ -11762,8 +11762,8 @@
         </p:nvSpPr>
         <p:spPr>
           <a:xfrm rot="2744400">
-            <a:off x="-280080" y="-25560"/>
-            <a:ext cx="703800" cy="703440"/>
+            <a:off x="-279720" y="-25560"/>
+            <a:ext cx="703440" cy="703080"/>
           </a:xfrm>
           <a:prstGeom prst="roundRect">
             <a:avLst>
@@ -11800,8 +11800,8 @@
         </p:nvSpPr>
         <p:spPr>
           <a:xfrm rot="2625600">
-            <a:off x="4861080" y="4146480"/>
-            <a:ext cx="467640" cy="467640"/>
+            <a:off x="4861080" y="4146120"/>
+            <a:ext cx="467280" cy="467280"/>
           </a:xfrm>
           <a:prstGeom prst="roundRect">
             <a:avLst>
@@ -11875,8 +11875,8 @@
         </p:nvSpPr>
         <p:spPr>
           <a:xfrm rot="2744400">
-            <a:off x="-349200" y="4539600"/>
-            <a:ext cx="703800" cy="703440"/>
+            <a:off x="-348840" y="4539240"/>
+            <a:ext cx="703440" cy="703080"/>
           </a:xfrm>
           <a:prstGeom prst="roundRect">
             <a:avLst>
@@ -11913,8 +11913,8 @@
         </p:nvSpPr>
         <p:spPr>
           <a:xfrm rot="19228200">
-            <a:off x="5845680" y="-2265840"/>
-            <a:ext cx="4854600" cy="7725600"/>
+            <a:off x="5845680" y="-2265480"/>
+            <a:ext cx="4854240" cy="7725240"/>
           </a:xfrm>
           <a:prstGeom prst="roundRect">
             <a:avLst>
@@ -11952,9 +11952,9 @@
         <p:grpSpPr>
           <a:xfrm>
             <a:off x="4571640" y="828000"/>
-            <a:ext cx="4467600" cy="3563640"/>
+            <a:ext cx="4467240" cy="3563280"/>
             <a:chOff x="4571640" y="828000"/>
-            <a:chExt cx="4467600" cy="3563640"/>
+            <a:chExt cx="4467240" cy="3563280"/>
           </a:xfrm>
         </p:grpSpPr>
         <p:pic>
@@ -11970,7 +11970,7 @@
           <p:spPr>
             <a:xfrm>
               <a:off x="4571640" y="828000"/>
-              <a:ext cx="4467600" cy="3563640"/>
+              <a:ext cx="4467240" cy="3563280"/>
             </a:xfrm>
             <a:prstGeom prst="rect">
               <a:avLst/>
@@ -11988,8 +11988,8 @@
           </p:nvSpPr>
           <p:spPr>
             <a:xfrm rot="16200000">
-              <a:off x="5962680" y="1159560"/>
-              <a:ext cx="1736640" cy="2770560"/>
+              <a:off x="5962680" y="1159920"/>
+              <a:ext cx="1736280" cy="2770200"/>
             </a:xfrm>
             <a:prstGeom prst="roundRect">
               <a:avLst>
@@ -12056,7 +12056,7 @@
         <p:spPr>
           <a:xfrm>
             <a:off x="586440" y="1246680"/>
-            <a:ext cx="4003560" cy="3599280"/>
+            <a:ext cx="4003200" cy="3598920"/>
           </a:xfrm>
           <a:prstGeom prst="rect">
             <a:avLst/>
@@ -12108,7 +12108,7 @@
         <p:spPr>
           <a:xfrm>
             <a:off x="5446080" y="1672200"/>
-            <a:ext cx="2779560" cy="1736640"/>
+            <a:ext cx="2779200" cy="1736280"/>
           </a:xfrm>
           <a:prstGeom prst="rect">
             <a:avLst/>
@@ -12160,7 +12160,7 @@
         <p:spPr>
           <a:xfrm>
             <a:off x="586440" y="453960"/>
-            <a:ext cx="3696120" cy="854640"/>
+            <a:ext cx="3695760" cy="854280"/>
           </a:xfrm>
           <a:prstGeom prst="rect">
             <a:avLst/>
@@ -12249,7 +12249,7 @@
         <p:spPr>
           <a:xfrm>
             <a:off x="4222080" y="1246680"/>
-            <a:ext cx="4114440" cy="3599280"/>
+            <a:ext cx="4114080" cy="3598920"/>
           </a:xfrm>
           <a:prstGeom prst="rect">
             <a:avLst/>
@@ -12300,8 +12300,8 @@
         </p:nvSpPr>
         <p:spPr>
           <a:xfrm rot="16200000">
-            <a:off x="-2181600" y="1734120"/>
-            <a:ext cx="5143320" cy="1683360"/>
+            <a:off x="-2181600" y="1734480"/>
+            <a:ext cx="5142960" cy="1683000"/>
           </a:xfrm>
           <a:prstGeom prst="roundRect">
             <a:avLst>
@@ -12338,8 +12338,8 @@
         </p:nvSpPr>
         <p:spPr>
           <a:xfrm rot="2745000">
-            <a:off x="8575200" y="103320"/>
-            <a:ext cx="1131840" cy="1131480"/>
+            <a:off x="8575200" y="102960"/>
+            <a:ext cx="1131480" cy="1131120"/>
           </a:xfrm>
           <a:prstGeom prst="roundRect">
             <a:avLst>
@@ -12376,8 +12376,8 @@
         </p:nvSpPr>
         <p:spPr>
           <a:xfrm rot="16200000">
-            <a:off x="614880" y="919440"/>
-            <a:ext cx="3231360" cy="3313080"/>
+            <a:off x="614880" y="919800"/>
+            <a:ext cx="3231000" cy="3312720"/>
           </a:xfrm>
           <a:prstGeom prst="roundRect">
             <a:avLst>
@@ -12443,7 +12443,7 @@
         <p:spPr>
           <a:xfrm>
             <a:off x="4214160" y="456120"/>
-            <a:ext cx="4111200" cy="854640"/>
+            <a:ext cx="4110840" cy="854280"/>
           </a:xfrm>
           <a:prstGeom prst="rect">
             <a:avLst/>
@@ -12525,7 +12525,7 @@
         <p:spPr>
           <a:xfrm>
             <a:off x="586440" y="1246680"/>
-            <a:ext cx="4003560" cy="3599280"/>
+            <a:ext cx="4003200" cy="3598920"/>
           </a:xfrm>
           <a:prstGeom prst="rect">
             <a:avLst/>
@@ -12577,7 +12577,7 @@
         <p:spPr>
           <a:xfrm>
             <a:off x="559800" y="446040"/>
-            <a:ext cx="4282920" cy="682920"/>
+            <a:ext cx="4282560" cy="682560"/>
           </a:xfrm>
           <a:prstGeom prst="rect">
             <a:avLst/>
@@ -12629,7 +12629,7 @@
         <p:spPr>
           <a:xfrm>
             <a:off x="5097600" y="360"/>
-            <a:ext cx="4379040" cy="5143320"/>
+            <a:ext cx="4378680" cy="5142960"/>
           </a:xfrm>
           <a:prstGeom prst="roundRect">
             <a:avLst>
@@ -12694,8 +12694,8 @@
         </p:nvSpPr>
         <p:spPr>
           <a:xfrm rot="2744400">
-            <a:off x="-280080" y="-25560"/>
-            <a:ext cx="703800" cy="703440"/>
+            <a:off x="-279720" y="-25560"/>
+            <a:ext cx="703440" cy="703080"/>
           </a:xfrm>
           <a:prstGeom prst="roundRect">
             <a:avLst>
@@ -12732,8 +12732,8 @@
         </p:nvSpPr>
         <p:spPr>
           <a:xfrm rot="2625600">
-            <a:off x="4861080" y="4146480"/>
-            <a:ext cx="467640" cy="467640"/>
+            <a:off x="4861080" y="4146120"/>
+            <a:ext cx="467280" cy="467280"/>
           </a:xfrm>
           <a:prstGeom prst="roundRect">
             <a:avLst>
@@ -12807,8 +12807,8 @@
         </p:nvSpPr>
         <p:spPr>
           <a:xfrm rot="2744400">
-            <a:off x="-280080" y="-25560"/>
-            <a:ext cx="703800" cy="703440"/>
+            <a:off x="-279720" y="-25560"/>
+            <a:ext cx="703440" cy="703080"/>
           </a:xfrm>
           <a:prstGeom prst="roundRect">
             <a:avLst>
@@ -12846,7 +12846,7 @@
         <p:spPr>
           <a:xfrm rot="2332200">
             <a:off x="6009120" y="-319680"/>
-            <a:ext cx="4854960" cy="7725960"/>
+            <a:ext cx="4854600" cy="7725600"/>
           </a:xfrm>
           <a:prstGeom prst="roundRect">
             <a:avLst>
@@ -12884,9 +12884,9 @@
         <p:grpSpPr>
           <a:xfrm>
             <a:off x="4571640" y="828000"/>
-            <a:ext cx="4467600" cy="3563640"/>
+            <a:ext cx="4467240" cy="3563280"/>
             <a:chOff x="4571640" y="828000"/>
-            <a:chExt cx="4467600" cy="3563640"/>
+            <a:chExt cx="4467240" cy="3563280"/>
           </a:xfrm>
         </p:grpSpPr>
         <p:pic>
@@ -12902,7 +12902,7 @@
           <p:spPr>
             <a:xfrm>
               <a:off x="4571640" y="828000"/>
-              <a:ext cx="4467600" cy="3563640"/>
+              <a:ext cx="4467240" cy="3563280"/>
             </a:xfrm>
             <a:prstGeom prst="rect">
               <a:avLst/>
@@ -12920,8 +12920,8 @@
           </p:nvSpPr>
           <p:spPr>
             <a:xfrm rot="16200000">
-              <a:off x="5962680" y="1159560"/>
-              <a:ext cx="1736640" cy="2770560"/>
+              <a:off x="5962680" y="1159920"/>
+              <a:ext cx="1736280" cy="2770200"/>
             </a:xfrm>
             <a:prstGeom prst="roundRect">
               <a:avLst>
@@ -12988,7 +12988,7 @@
         <p:spPr>
           <a:xfrm>
             <a:off x="5446080" y="1672200"/>
-            <a:ext cx="2770200" cy="1736640"/>
+            <a:ext cx="2769840" cy="1736280"/>
           </a:xfrm>
           <a:prstGeom prst="rect">
             <a:avLst/>
@@ -13040,7 +13040,7 @@
         <p:spPr>
           <a:xfrm>
             <a:off x="586440" y="1246680"/>
-            <a:ext cx="4003560" cy="3599280"/>
+            <a:ext cx="4003200" cy="3598920"/>
           </a:xfrm>
           <a:prstGeom prst="rect">
             <a:avLst/>
@@ -13092,7 +13092,7 @@
         <p:spPr>
           <a:xfrm>
             <a:off x="586440" y="453960"/>
-            <a:ext cx="4763520" cy="854640"/>
+            <a:ext cx="4763160" cy="854280"/>
           </a:xfrm>
           <a:prstGeom prst="rect">
             <a:avLst/>
@@ -13180,8 +13180,8 @@
         </p:nvSpPr>
         <p:spPr>
           <a:xfrm rot="2745600">
-            <a:off x="8349840" y="-668160"/>
-            <a:ext cx="1497600" cy="1497600"/>
+            <a:off x="8349840" y="-667800"/>
+            <a:ext cx="1497240" cy="1497240"/>
           </a:xfrm>
           <a:prstGeom prst="roundRect">
             <a:avLst>
@@ -13219,7 +13219,7 @@
         <p:spPr>
           <a:xfrm rot="2745600">
             <a:off x="7634160" y="-322200"/>
-            <a:ext cx="806400" cy="806760"/>
+            <a:ext cx="806040" cy="806400"/>
           </a:xfrm>
           <a:prstGeom prst="roundRect">
             <a:avLst>
@@ -13258,7 +13258,7 @@
         <p:spPr>
           <a:xfrm>
             <a:off x="586440" y="899640"/>
-            <a:ext cx="7931160" cy="1536480"/>
+            <a:ext cx="7930800" cy="1536120"/>
           </a:xfrm>
           <a:prstGeom prst="rect">
             <a:avLst/>
@@ -13310,7 +13310,7 @@
         <p:spPr>
           <a:xfrm>
             <a:off x="608040" y="2545560"/>
-            <a:ext cx="3711600" cy="2255040"/>
+            <a:ext cx="3711240" cy="2254680"/>
           </a:xfrm>
           <a:prstGeom prst="rect">
             <a:avLst/>
@@ -13362,7 +13362,7 @@
         <p:spPr>
           <a:xfrm>
             <a:off x="4806360" y="2545560"/>
-            <a:ext cx="3711600" cy="2255040"/>
+            <a:ext cx="3711240" cy="2254680"/>
           </a:xfrm>
           <a:prstGeom prst="rect">
             <a:avLst/>
@@ -13414,7 +13414,7 @@
         <p:spPr>
           <a:xfrm>
             <a:off x="583200" y="450720"/>
-            <a:ext cx="7197480" cy="511560"/>
+            <a:ext cx="7197120" cy="511200"/>
           </a:xfrm>
           <a:prstGeom prst="rect">
             <a:avLst/>
@@ -13496,7 +13496,7 @@
         <p:spPr>
           <a:xfrm>
             <a:off x="586440" y="1246680"/>
-            <a:ext cx="4003560" cy="3599280"/>
+            <a:ext cx="4003200" cy="3598920"/>
           </a:xfrm>
           <a:prstGeom prst="rect">
             <a:avLst/>
@@ -13548,7 +13548,7 @@
         <p:spPr>
           <a:xfrm>
             <a:off x="559800" y="446040"/>
-            <a:ext cx="4282920" cy="682920"/>
+            <a:ext cx="4282560" cy="682560"/>
           </a:xfrm>
           <a:prstGeom prst="rect">
             <a:avLst/>
@@ -13600,7 +13600,7 @@
         <p:spPr>
           <a:xfrm>
             <a:off x="5097600" y="360"/>
-            <a:ext cx="4379040" cy="5143320"/>
+            <a:ext cx="4378680" cy="5142960"/>
           </a:xfrm>
           <a:prstGeom prst="roundRect">
             <a:avLst>
@@ -13665,8 +13665,8 @@
         </p:nvSpPr>
         <p:spPr>
           <a:xfrm rot="2744400">
-            <a:off x="-280080" y="-25560"/>
-            <a:ext cx="703800" cy="703440"/>
+            <a:off x="-279720" y="-25560"/>
+            <a:ext cx="703440" cy="703080"/>
           </a:xfrm>
           <a:prstGeom prst="roundRect">
             <a:avLst>
@@ -13703,8 +13703,8 @@
         </p:nvSpPr>
         <p:spPr>
           <a:xfrm rot="2625600">
-            <a:off x="4861080" y="4146480"/>
-            <a:ext cx="467640" cy="467640"/>
+            <a:off x="4861080" y="4146120"/>
+            <a:ext cx="467280" cy="467280"/>
           </a:xfrm>
           <a:prstGeom prst="roundRect">
             <a:avLst>
@@ -13778,8 +13778,8 @@
         </p:nvSpPr>
         <p:spPr>
           <a:xfrm rot="2744400">
-            <a:off x="-349200" y="4539600"/>
-            <a:ext cx="703800" cy="703440"/>
+            <a:off x="-348840" y="4539240"/>
+            <a:ext cx="703440" cy="703080"/>
           </a:xfrm>
           <a:prstGeom prst="roundRect">
             <a:avLst>
@@ -13816,8 +13816,8 @@
         </p:nvSpPr>
         <p:spPr>
           <a:xfrm rot="19228200">
-            <a:off x="5845680" y="-2265840"/>
-            <a:ext cx="4854600" cy="7725600"/>
+            <a:off x="5845680" y="-2265480"/>
+            <a:ext cx="4854240" cy="7725240"/>
           </a:xfrm>
           <a:prstGeom prst="roundRect">
             <a:avLst>
@@ -13855,9 +13855,9 @@
         <p:grpSpPr>
           <a:xfrm>
             <a:off x="4571640" y="828000"/>
-            <a:ext cx="4467600" cy="3563640"/>
+            <a:ext cx="4467240" cy="3563280"/>
             <a:chOff x="4571640" y="828000"/>
-            <a:chExt cx="4467600" cy="3563640"/>
+            <a:chExt cx="4467240" cy="3563280"/>
           </a:xfrm>
         </p:grpSpPr>
         <p:pic>
@@ -13873,7 +13873,7 @@
           <p:spPr>
             <a:xfrm>
               <a:off x="4571640" y="828000"/>
-              <a:ext cx="4467600" cy="3563640"/>
+              <a:ext cx="4467240" cy="3563280"/>
             </a:xfrm>
             <a:prstGeom prst="rect">
               <a:avLst/>
@@ -13891,8 +13891,8 @@
           </p:nvSpPr>
           <p:spPr>
             <a:xfrm rot="16200000">
-              <a:off x="5962680" y="1159560"/>
-              <a:ext cx="1736640" cy="2770560"/>
+              <a:off x="5962680" y="1159920"/>
+              <a:ext cx="1736280" cy="2770200"/>
             </a:xfrm>
             <a:prstGeom prst="roundRect">
               <a:avLst>
@@ -13959,7 +13959,7 @@
         <p:spPr>
           <a:xfrm>
             <a:off x="586440" y="1246680"/>
-            <a:ext cx="4003560" cy="3599280"/>
+            <a:ext cx="4003200" cy="3598920"/>
           </a:xfrm>
           <a:prstGeom prst="rect">
             <a:avLst/>
@@ -14011,7 +14011,7 @@
         <p:spPr>
           <a:xfrm>
             <a:off x="5446080" y="1672200"/>
-            <a:ext cx="2779560" cy="1736640"/>
+            <a:ext cx="2779200" cy="1736280"/>
           </a:xfrm>
           <a:prstGeom prst="rect">
             <a:avLst/>
@@ -14063,7 +14063,7 @@
         <p:spPr>
           <a:xfrm>
             <a:off x="586440" y="453960"/>
-            <a:ext cx="3696120" cy="854640"/>
+            <a:ext cx="3695760" cy="854280"/>
           </a:xfrm>
           <a:prstGeom prst="rect">
             <a:avLst/>
@@ -14152,7 +14152,7 @@
         <p:spPr>
           <a:xfrm>
             <a:off x="4222080" y="1246680"/>
-            <a:ext cx="4114440" cy="3599280"/>
+            <a:ext cx="4114080" cy="3598920"/>
           </a:xfrm>
           <a:prstGeom prst="rect">
             <a:avLst/>
@@ -14203,8 +14203,8 @@
         </p:nvSpPr>
         <p:spPr>
           <a:xfrm rot="16200000">
-            <a:off x="-2181600" y="1734120"/>
-            <a:ext cx="5143320" cy="1683360"/>
+            <a:off x="-2181600" y="1734480"/>
+            <a:ext cx="5142960" cy="1683000"/>
           </a:xfrm>
           <a:prstGeom prst="roundRect">
             <a:avLst>
@@ -14241,8 +14241,8 @@
         </p:nvSpPr>
         <p:spPr>
           <a:xfrm rot="2745000">
-            <a:off x="8575200" y="103320"/>
-            <a:ext cx="1131840" cy="1131480"/>
+            <a:off x="8575200" y="102960"/>
+            <a:ext cx="1131480" cy="1131120"/>
           </a:xfrm>
           <a:prstGeom prst="roundRect">
             <a:avLst>
@@ -14279,8 +14279,8 @@
         </p:nvSpPr>
         <p:spPr>
           <a:xfrm rot="16200000">
-            <a:off x="614880" y="919440"/>
-            <a:ext cx="3231360" cy="3313080"/>
+            <a:off x="614880" y="919800"/>
+            <a:ext cx="3231000" cy="3312720"/>
           </a:xfrm>
           <a:prstGeom prst="roundRect">
             <a:avLst>
@@ -14346,7 +14346,7 @@
         <p:spPr>
           <a:xfrm>
             <a:off x="4214160" y="456120"/>
-            <a:ext cx="4111200" cy="854640"/>
+            <a:ext cx="4110840" cy="854280"/>
           </a:xfrm>
           <a:prstGeom prst="rect">
             <a:avLst/>
@@ -14434,8 +14434,8 @@
         </p:nvSpPr>
         <p:spPr>
           <a:xfrm rot="2744400">
-            <a:off x="-280080" y="-25560"/>
-            <a:ext cx="703800" cy="703440"/>
+            <a:off x="-279720" y="-25560"/>
+            <a:ext cx="703440" cy="703080"/>
           </a:xfrm>
           <a:prstGeom prst="roundRect">
             <a:avLst>
@@ -14473,7 +14473,7 @@
         <p:spPr>
           <a:xfrm rot="2332200">
             <a:off x="6009120" y="-319680"/>
-            <a:ext cx="4854960" cy="7725960"/>
+            <a:ext cx="4854600" cy="7725600"/>
           </a:xfrm>
           <a:prstGeom prst="roundRect">
             <a:avLst>
@@ -14511,9 +14511,9 @@
         <p:grpSpPr>
           <a:xfrm>
             <a:off x="4571640" y="828000"/>
-            <a:ext cx="4467600" cy="3563640"/>
+            <a:ext cx="4467240" cy="3563280"/>
             <a:chOff x="4571640" y="828000"/>
-            <a:chExt cx="4467600" cy="3563640"/>
+            <a:chExt cx="4467240" cy="3563280"/>
           </a:xfrm>
         </p:grpSpPr>
         <p:pic>
@@ -14529,7 +14529,7 @@
           <p:spPr>
             <a:xfrm>
               <a:off x="4571640" y="828000"/>
-              <a:ext cx="4467600" cy="3563640"/>
+              <a:ext cx="4467240" cy="3563280"/>
             </a:xfrm>
             <a:prstGeom prst="rect">
               <a:avLst/>
@@ -14547,8 +14547,8 @@
           </p:nvSpPr>
           <p:spPr>
             <a:xfrm rot="16200000">
-              <a:off x="5962680" y="1159560"/>
-              <a:ext cx="1736640" cy="2770560"/>
+              <a:off x="5962680" y="1159920"/>
+              <a:ext cx="1736280" cy="2770200"/>
             </a:xfrm>
             <a:prstGeom prst="roundRect">
               <a:avLst>
@@ -14615,7 +14615,7 @@
         <p:spPr>
           <a:xfrm>
             <a:off x="5446080" y="1672200"/>
-            <a:ext cx="2770200" cy="1736640"/>
+            <a:ext cx="2769840" cy="1736280"/>
           </a:xfrm>
           <a:prstGeom prst="rect">
             <a:avLst/>
@@ -14667,7 +14667,7 @@
         <p:spPr>
           <a:xfrm>
             <a:off x="586440" y="1246680"/>
-            <a:ext cx="4003560" cy="3599280"/>
+            <a:ext cx="4003200" cy="3598920"/>
           </a:xfrm>
           <a:prstGeom prst="rect">
             <a:avLst/>
@@ -14719,7 +14719,7 @@
         <p:spPr>
           <a:xfrm>
             <a:off x="586440" y="453960"/>
-            <a:ext cx="4763520" cy="854640"/>
+            <a:ext cx="4763160" cy="854280"/>
           </a:xfrm>
           <a:prstGeom prst="rect">
             <a:avLst/>
@@ -14807,8 +14807,8 @@
         </p:nvSpPr>
         <p:spPr>
           <a:xfrm rot="2745600">
-            <a:off x="8349840" y="-668160"/>
-            <a:ext cx="1497600" cy="1497600"/>
+            <a:off x="8349840" y="-667800"/>
+            <a:ext cx="1497240" cy="1497240"/>
           </a:xfrm>
           <a:prstGeom prst="roundRect">
             <a:avLst>
@@ -14846,7 +14846,7 @@
         <p:spPr>
           <a:xfrm rot="2745600">
             <a:off x="7634160" y="-322200"/>
-            <a:ext cx="806400" cy="806760"/>
+            <a:ext cx="806040" cy="806400"/>
           </a:xfrm>
           <a:prstGeom prst="roundRect">
             <a:avLst>
@@ -14885,7 +14885,7 @@
         <p:spPr>
           <a:xfrm>
             <a:off x="586440" y="899640"/>
-            <a:ext cx="7931160" cy="1536480"/>
+            <a:ext cx="7930800" cy="1536120"/>
           </a:xfrm>
           <a:prstGeom prst="rect">
             <a:avLst/>
@@ -14937,7 +14937,7 @@
         <p:spPr>
           <a:xfrm>
             <a:off x="608040" y="2545560"/>
-            <a:ext cx="3711600" cy="2255040"/>
+            <a:ext cx="3711240" cy="2254680"/>
           </a:xfrm>
           <a:prstGeom prst="rect">
             <a:avLst/>
@@ -14989,7 +14989,7 @@
         <p:spPr>
           <a:xfrm>
             <a:off x="4806360" y="2545560"/>
-            <a:ext cx="3711600" cy="2255040"/>
+            <a:ext cx="3711240" cy="2254680"/>
           </a:xfrm>
           <a:prstGeom prst="rect">
             <a:avLst/>
@@ -15041,7 +15041,7 @@
         <p:spPr>
           <a:xfrm>
             <a:off x="583200" y="450720"/>
-            <a:ext cx="7197480" cy="511560"/>
+            <a:ext cx="7197120" cy="511200"/>
           </a:xfrm>
           <a:prstGeom prst="rect">
             <a:avLst/>
@@ -15123,7 +15123,7 @@
         <p:spPr>
           <a:xfrm>
             <a:off x="586440" y="1246680"/>
-            <a:ext cx="4003560" cy="3599280"/>
+            <a:ext cx="4003200" cy="3598920"/>
           </a:xfrm>
           <a:prstGeom prst="rect">
             <a:avLst/>
@@ -15175,7 +15175,7 @@
         <p:spPr>
           <a:xfrm>
             <a:off x="559800" y="446040"/>
-            <a:ext cx="4282920" cy="682920"/>
+            <a:ext cx="4282560" cy="682560"/>
           </a:xfrm>
           <a:prstGeom prst="rect">
             <a:avLst/>
@@ -15227,7 +15227,7 @@
         <p:spPr>
           <a:xfrm>
             <a:off x="5097600" y="360"/>
-            <a:ext cx="4379040" cy="5143320"/>
+            <a:ext cx="4378680" cy="5142960"/>
           </a:xfrm>
           <a:prstGeom prst="roundRect">
             <a:avLst>
@@ -15292,8 +15292,8 @@
         </p:nvSpPr>
         <p:spPr>
           <a:xfrm rot="2744400">
-            <a:off x="-280080" y="-25560"/>
-            <a:ext cx="703800" cy="703440"/>
+            <a:off x="-279720" y="-25560"/>
+            <a:ext cx="703440" cy="703080"/>
           </a:xfrm>
           <a:prstGeom prst="roundRect">
             <a:avLst>
@@ -15330,8 +15330,8 @@
         </p:nvSpPr>
         <p:spPr>
           <a:xfrm rot="2625600">
-            <a:off x="4861080" y="4146480"/>
-            <a:ext cx="467640" cy="467640"/>
+            <a:off x="4861080" y="4146120"/>
+            <a:ext cx="467280" cy="467280"/>
           </a:xfrm>
           <a:prstGeom prst="roundRect">
             <a:avLst>
@@ -15405,8 +15405,8 @@
         </p:nvSpPr>
         <p:spPr>
           <a:xfrm rot="2744400">
-            <a:off x="-349200" y="4539600"/>
-            <a:ext cx="703800" cy="703440"/>
+            <a:off x="-348840" y="4539240"/>
+            <a:ext cx="703440" cy="703080"/>
           </a:xfrm>
           <a:prstGeom prst="roundRect">
             <a:avLst>
@@ -15443,8 +15443,8 @@
         </p:nvSpPr>
         <p:spPr>
           <a:xfrm rot="19228200">
-            <a:off x="5845680" y="-2265840"/>
-            <a:ext cx="4854600" cy="7725600"/>
+            <a:off x="5845680" y="-2265480"/>
+            <a:ext cx="4854240" cy="7725240"/>
           </a:xfrm>
           <a:prstGeom prst="roundRect">
             <a:avLst>
@@ -15482,9 +15482,9 @@
         <p:grpSpPr>
           <a:xfrm>
             <a:off x="4571640" y="828000"/>
-            <a:ext cx="4467600" cy="3563640"/>
+            <a:ext cx="4467240" cy="3563280"/>
             <a:chOff x="4571640" y="828000"/>
-            <a:chExt cx="4467600" cy="3563640"/>
+            <a:chExt cx="4467240" cy="3563280"/>
           </a:xfrm>
         </p:grpSpPr>
         <p:pic>
@@ -15500,7 +15500,7 @@
           <p:spPr>
             <a:xfrm>
               <a:off x="4571640" y="828000"/>
-              <a:ext cx="4467600" cy="3563640"/>
+              <a:ext cx="4467240" cy="3563280"/>
             </a:xfrm>
             <a:prstGeom prst="rect">
               <a:avLst/>
@@ -15518,8 +15518,8 @@
           </p:nvSpPr>
           <p:spPr>
             <a:xfrm rot="16200000">
-              <a:off x="5962680" y="1159560"/>
-              <a:ext cx="1736640" cy="2770560"/>
+              <a:off x="5962680" y="1159920"/>
+              <a:ext cx="1736280" cy="2770200"/>
             </a:xfrm>
             <a:prstGeom prst="roundRect">
               <a:avLst>
@@ -15586,7 +15586,7 @@
         <p:spPr>
           <a:xfrm>
             <a:off x="586440" y="1246680"/>
-            <a:ext cx="4003560" cy="3599280"/>
+            <a:ext cx="4003200" cy="3598920"/>
           </a:xfrm>
           <a:prstGeom prst="rect">
             <a:avLst/>
@@ -15638,7 +15638,7 @@
         <p:spPr>
           <a:xfrm>
             <a:off x="5446080" y="1672200"/>
-            <a:ext cx="2779560" cy="1736640"/>
+            <a:ext cx="2779200" cy="1736280"/>
           </a:xfrm>
           <a:prstGeom prst="rect">
             <a:avLst/>
@@ -15690,7 +15690,7 @@
         <p:spPr>
           <a:xfrm>
             <a:off x="586440" y="453960"/>
-            <a:ext cx="3696120" cy="854640"/>
+            <a:ext cx="3695760" cy="854280"/>
           </a:xfrm>
           <a:prstGeom prst="rect">
             <a:avLst/>
@@ -15779,7 +15779,7 @@
         <p:spPr>
           <a:xfrm>
             <a:off x="4222080" y="1246680"/>
-            <a:ext cx="4114440" cy="3599280"/>
+            <a:ext cx="4114080" cy="3598920"/>
           </a:xfrm>
           <a:prstGeom prst="rect">
             <a:avLst/>
@@ -15830,8 +15830,8 @@
         </p:nvSpPr>
         <p:spPr>
           <a:xfrm rot="16200000">
-            <a:off x="-2181600" y="1734120"/>
-            <a:ext cx="5143320" cy="1683360"/>
+            <a:off x="-2181600" y="1734480"/>
+            <a:ext cx="5142960" cy="1683000"/>
           </a:xfrm>
           <a:prstGeom prst="roundRect">
             <a:avLst>
@@ -15868,8 +15868,8 @@
         </p:nvSpPr>
         <p:spPr>
           <a:xfrm rot="2745000">
-            <a:off x="8575200" y="103320"/>
-            <a:ext cx="1131840" cy="1131480"/>
+            <a:off x="8575200" y="102960"/>
+            <a:ext cx="1131480" cy="1131120"/>
           </a:xfrm>
           <a:prstGeom prst="roundRect">
             <a:avLst>
@@ -15906,8 +15906,8 @@
         </p:nvSpPr>
         <p:spPr>
           <a:xfrm rot="16200000">
-            <a:off x="614880" y="919440"/>
-            <a:ext cx="3231360" cy="3313080"/>
+            <a:off x="614880" y="919800"/>
+            <a:ext cx="3231000" cy="3312720"/>
           </a:xfrm>
           <a:prstGeom prst="roundRect">
             <a:avLst>
@@ -15973,7 +15973,7 @@
         <p:spPr>
           <a:xfrm>
             <a:off x="4214160" y="456120"/>
-            <a:ext cx="4111200" cy="854640"/>
+            <a:ext cx="4110840" cy="854280"/>
           </a:xfrm>
           <a:prstGeom prst="rect">
             <a:avLst/>
@@ -16061,8 +16061,8 @@
         </p:nvSpPr>
         <p:spPr>
           <a:xfrm rot="2744400">
-            <a:off x="-349200" y="4539600"/>
-            <a:ext cx="703800" cy="703440"/>
+            <a:off x="-348840" y="4539240"/>
+            <a:ext cx="703440" cy="703080"/>
           </a:xfrm>
           <a:prstGeom prst="roundRect">
             <a:avLst>
@@ -16099,8 +16099,8 @@
         </p:nvSpPr>
         <p:spPr>
           <a:xfrm rot="19228200">
-            <a:off x="5845680" y="-2265840"/>
-            <a:ext cx="4854600" cy="7725600"/>
+            <a:off x="5845680" y="-2265480"/>
+            <a:ext cx="4854240" cy="7725240"/>
           </a:xfrm>
           <a:prstGeom prst="roundRect">
             <a:avLst>
@@ -16138,9 +16138,9 @@
         <p:grpSpPr>
           <a:xfrm>
             <a:off x="4571640" y="828000"/>
-            <a:ext cx="4467600" cy="3563640"/>
+            <a:ext cx="4467240" cy="3563280"/>
             <a:chOff x="4571640" y="828000"/>
-            <a:chExt cx="4467600" cy="3563640"/>
+            <a:chExt cx="4467240" cy="3563280"/>
           </a:xfrm>
         </p:grpSpPr>
         <p:pic>
@@ -16156,7 +16156,7 @@
           <p:spPr>
             <a:xfrm>
               <a:off x="4571640" y="828000"/>
-              <a:ext cx="4467600" cy="3563640"/>
+              <a:ext cx="4467240" cy="3563280"/>
             </a:xfrm>
             <a:prstGeom prst="rect">
               <a:avLst/>
@@ -16174,8 +16174,8 @@
           </p:nvSpPr>
           <p:spPr>
             <a:xfrm rot="16200000">
-              <a:off x="5962680" y="1159560"/>
-              <a:ext cx="1736640" cy="2770560"/>
+              <a:off x="5962680" y="1159920"/>
+              <a:ext cx="1736280" cy="2770200"/>
             </a:xfrm>
             <a:prstGeom prst="roundRect">
               <a:avLst>
@@ -16242,7 +16242,7 @@
         <p:spPr>
           <a:xfrm>
             <a:off x="586440" y="1246680"/>
-            <a:ext cx="4003560" cy="3599280"/>
+            <a:ext cx="4003200" cy="3598920"/>
           </a:xfrm>
           <a:prstGeom prst="rect">
             <a:avLst/>
@@ -16294,7 +16294,7 @@
         <p:spPr>
           <a:xfrm>
             <a:off x="5446080" y="1672200"/>
-            <a:ext cx="2779560" cy="1736640"/>
+            <a:ext cx="2779200" cy="1736280"/>
           </a:xfrm>
           <a:prstGeom prst="rect">
             <a:avLst/>
@@ -16346,7 +16346,7 @@
         <p:spPr>
           <a:xfrm>
             <a:off x="586440" y="453960"/>
-            <a:ext cx="3696120" cy="854640"/>
+            <a:ext cx="3695760" cy="854280"/>
           </a:xfrm>
           <a:prstGeom prst="rect">
             <a:avLst/>
@@ -16434,8 +16434,8 @@
         </p:nvSpPr>
         <p:spPr>
           <a:xfrm rot="2744400">
-            <a:off x="-280080" y="-25560"/>
-            <a:ext cx="703800" cy="703440"/>
+            <a:off x="-279720" y="-25560"/>
+            <a:ext cx="703440" cy="703080"/>
           </a:xfrm>
           <a:prstGeom prst="roundRect">
             <a:avLst>
@@ -16473,7 +16473,7 @@
         <p:spPr>
           <a:xfrm rot="2332200">
             <a:off x="6009120" y="-319680"/>
-            <a:ext cx="4854960" cy="7725960"/>
+            <a:ext cx="4854600" cy="7725600"/>
           </a:xfrm>
           <a:prstGeom prst="roundRect">
             <a:avLst>
@@ -16511,9 +16511,9 @@
         <p:grpSpPr>
           <a:xfrm>
             <a:off x="4571640" y="828000"/>
-            <a:ext cx="4467600" cy="3563640"/>
+            <a:ext cx="4467240" cy="3563280"/>
             <a:chOff x="4571640" y="828000"/>
-            <a:chExt cx="4467600" cy="3563640"/>
+            <a:chExt cx="4467240" cy="3563280"/>
           </a:xfrm>
         </p:grpSpPr>
         <p:pic>
@@ -16529,7 +16529,7 @@
           <p:spPr>
             <a:xfrm>
               <a:off x="4571640" y="828000"/>
-              <a:ext cx="4467600" cy="3563640"/>
+              <a:ext cx="4467240" cy="3563280"/>
             </a:xfrm>
             <a:prstGeom prst="rect">
               <a:avLst/>
@@ -16547,8 +16547,8 @@
           </p:nvSpPr>
           <p:spPr>
             <a:xfrm rot="16200000">
-              <a:off x="5962680" y="1159560"/>
-              <a:ext cx="1736640" cy="2770560"/>
+              <a:off x="5962680" y="1159920"/>
+              <a:ext cx="1736280" cy="2770200"/>
             </a:xfrm>
             <a:prstGeom prst="roundRect">
               <a:avLst>
@@ -16615,7 +16615,7 @@
         <p:spPr>
           <a:xfrm>
             <a:off x="5446080" y="1672200"/>
-            <a:ext cx="2770200" cy="1736640"/>
+            <a:ext cx="2769840" cy="1736280"/>
           </a:xfrm>
           <a:prstGeom prst="rect">
             <a:avLst/>
@@ -16667,7 +16667,7 @@
         <p:spPr>
           <a:xfrm>
             <a:off x="586440" y="1246680"/>
-            <a:ext cx="4003560" cy="3599280"/>
+            <a:ext cx="4003200" cy="3598920"/>
           </a:xfrm>
           <a:prstGeom prst="rect">
             <a:avLst/>
@@ -16719,7 +16719,7 @@
         <p:spPr>
           <a:xfrm>
             <a:off x="586440" y="453960"/>
-            <a:ext cx="4763520" cy="854640"/>
+            <a:ext cx="4763160" cy="854280"/>
           </a:xfrm>
           <a:prstGeom prst="rect">
             <a:avLst/>
@@ -16807,8 +16807,8 @@
         </p:nvSpPr>
         <p:spPr>
           <a:xfrm rot="2745600">
-            <a:off x="8349840" y="-668160"/>
-            <a:ext cx="1497600" cy="1497600"/>
+            <a:off x="8349840" y="-667800"/>
+            <a:ext cx="1497240" cy="1497240"/>
           </a:xfrm>
           <a:prstGeom prst="roundRect">
             <a:avLst>
@@ -16846,7 +16846,7 @@
         <p:spPr>
           <a:xfrm rot="2745600">
             <a:off x="7634160" y="-322200"/>
-            <a:ext cx="806400" cy="806760"/>
+            <a:ext cx="806040" cy="806400"/>
           </a:xfrm>
           <a:prstGeom prst="roundRect">
             <a:avLst>
@@ -16885,7 +16885,7 @@
         <p:spPr>
           <a:xfrm>
             <a:off x="586440" y="899640"/>
-            <a:ext cx="7931160" cy="1536480"/>
+            <a:ext cx="7930800" cy="1536120"/>
           </a:xfrm>
           <a:prstGeom prst="rect">
             <a:avLst/>
@@ -16937,7 +16937,7 @@
         <p:spPr>
           <a:xfrm>
             <a:off x="608040" y="2545560"/>
-            <a:ext cx="3711600" cy="2255040"/>
+            <a:ext cx="3711240" cy="2254680"/>
           </a:xfrm>
           <a:prstGeom prst="rect">
             <a:avLst/>
@@ -16989,7 +16989,7 @@
         <p:spPr>
           <a:xfrm>
             <a:off x="4806360" y="2545560"/>
-            <a:ext cx="3711600" cy="2255040"/>
+            <a:ext cx="3711240" cy="2254680"/>
           </a:xfrm>
           <a:prstGeom prst="rect">
             <a:avLst/>
@@ -17041,7 +17041,7 @@
         <p:spPr>
           <a:xfrm>
             <a:off x="583200" y="450720"/>
-            <a:ext cx="7197480" cy="511560"/>
+            <a:ext cx="7197120" cy="511200"/>
           </a:xfrm>
           <a:prstGeom prst="rect">
             <a:avLst/>
@@ -17123,7 +17123,7 @@
         <p:spPr>
           <a:xfrm>
             <a:off x="586440" y="1246680"/>
-            <a:ext cx="4003560" cy="3599280"/>
+            <a:ext cx="4003200" cy="3598920"/>
           </a:xfrm>
           <a:prstGeom prst="rect">
             <a:avLst/>
@@ -17175,7 +17175,7 @@
         <p:spPr>
           <a:xfrm>
             <a:off x="559800" y="446040"/>
-            <a:ext cx="4282920" cy="682920"/>
+            <a:ext cx="4282560" cy="682560"/>
           </a:xfrm>
           <a:prstGeom prst="rect">
             <a:avLst/>
@@ -17227,7 +17227,7 @@
         <p:spPr>
           <a:xfrm>
             <a:off x="5097600" y="360"/>
-            <a:ext cx="4379040" cy="5143320"/>
+            <a:ext cx="4378680" cy="5142960"/>
           </a:xfrm>
           <a:prstGeom prst="roundRect">
             <a:avLst>
@@ -17292,8 +17292,8 @@
         </p:nvSpPr>
         <p:spPr>
           <a:xfrm rot="2744400">
-            <a:off x="-280080" y="-25560"/>
-            <a:ext cx="703800" cy="703440"/>
+            <a:off x="-279720" y="-25560"/>
+            <a:ext cx="703440" cy="703080"/>
           </a:xfrm>
           <a:prstGeom prst="roundRect">
             <a:avLst>
@@ -17330,8 +17330,8 @@
         </p:nvSpPr>
         <p:spPr>
           <a:xfrm rot="2625600">
-            <a:off x="4861080" y="4146480"/>
-            <a:ext cx="467640" cy="467640"/>
+            <a:off x="4861080" y="4146120"/>
+            <a:ext cx="467280" cy="467280"/>
           </a:xfrm>
           <a:prstGeom prst="roundRect">
             <a:avLst>
@@ -17405,8 +17405,8 @@
         </p:nvSpPr>
         <p:spPr>
           <a:xfrm rot="2744400">
-            <a:off x="-349200" y="4539600"/>
-            <a:ext cx="703800" cy="703440"/>
+            <a:off x="-348840" y="4539240"/>
+            <a:ext cx="703440" cy="703080"/>
           </a:xfrm>
           <a:prstGeom prst="roundRect">
             <a:avLst>
@@ -17443,8 +17443,8 @@
         </p:nvSpPr>
         <p:spPr>
           <a:xfrm rot="19228200">
-            <a:off x="5845680" y="-2265840"/>
-            <a:ext cx="4854600" cy="7725600"/>
+            <a:off x="5845680" y="-2265480"/>
+            <a:ext cx="4854240" cy="7725240"/>
           </a:xfrm>
           <a:prstGeom prst="roundRect">
             <a:avLst>
@@ -17482,9 +17482,9 @@
         <p:grpSpPr>
           <a:xfrm>
             <a:off x="4571640" y="828000"/>
-            <a:ext cx="4467600" cy="3563640"/>
+            <a:ext cx="4467240" cy="3563280"/>
             <a:chOff x="4571640" y="828000"/>
-            <a:chExt cx="4467600" cy="3563640"/>
+            <a:chExt cx="4467240" cy="3563280"/>
           </a:xfrm>
         </p:grpSpPr>
         <p:pic>
@@ -17500,7 +17500,7 @@
           <p:spPr>
             <a:xfrm>
               <a:off x="4571640" y="828000"/>
-              <a:ext cx="4467600" cy="3563640"/>
+              <a:ext cx="4467240" cy="3563280"/>
             </a:xfrm>
             <a:prstGeom prst="rect">
               <a:avLst/>
@@ -17518,8 +17518,8 @@
           </p:nvSpPr>
           <p:spPr>
             <a:xfrm rot="16200000">
-              <a:off x="5962680" y="1159560"/>
-              <a:ext cx="1736640" cy="2770560"/>
+              <a:off x="5962680" y="1159920"/>
+              <a:ext cx="1736280" cy="2770200"/>
             </a:xfrm>
             <a:prstGeom prst="roundRect">
               <a:avLst>
@@ -17586,7 +17586,7 @@
         <p:spPr>
           <a:xfrm>
             <a:off x="586440" y="1246680"/>
-            <a:ext cx="4003560" cy="3599280"/>
+            <a:ext cx="4003200" cy="3598920"/>
           </a:xfrm>
           <a:prstGeom prst="rect">
             <a:avLst/>
@@ -17638,7 +17638,7 @@
         <p:spPr>
           <a:xfrm>
             <a:off x="5446080" y="1672200"/>
-            <a:ext cx="2779560" cy="1736640"/>
+            <a:ext cx="2779200" cy="1736280"/>
           </a:xfrm>
           <a:prstGeom prst="rect">
             <a:avLst/>
@@ -17690,7 +17690,7 @@
         <p:spPr>
           <a:xfrm>
             <a:off x="586440" y="453960"/>
-            <a:ext cx="3696120" cy="854640"/>
+            <a:ext cx="3695760" cy="854280"/>
           </a:xfrm>
           <a:prstGeom prst="rect">
             <a:avLst/>
@@ -17779,7 +17779,7 @@
         <p:spPr>
           <a:xfrm>
             <a:off x="4222080" y="1246680"/>
-            <a:ext cx="4114440" cy="3599280"/>
+            <a:ext cx="4114080" cy="3598920"/>
           </a:xfrm>
           <a:prstGeom prst="rect">
             <a:avLst/>
@@ -17830,8 +17830,8 @@
         </p:nvSpPr>
         <p:spPr>
           <a:xfrm rot="16200000">
-            <a:off x="-2181600" y="1734120"/>
-            <a:ext cx="5143320" cy="1683360"/>
+            <a:off x="-2181600" y="1734480"/>
+            <a:ext cx="5142960" cy="1683000"/>
           </a:xfrm>
           <a:prstGeom prst="roundRect">
             <a:avLst>
@@ -17868,8 +17868,8 @@
         </p:nvSpPr>
         <p:spPr>
           <a:xfrm rot="2745000">
-            <a:off x="8575200" y="103320"/>
-            <a:ext cx="1131840" cy="1131480"/>
+            <a:off x="8575200" y="102960"/>
+            <a:ext cx="1131480" cy="1131120"/>
           </a:xfrm>
           <a:prstGeom prst="roundRect">
             <a:avLst>
@@ -17906,8 +17906,8 @@
         </p:nvSpPr>
         <p:spPr>
           <a:xfrm rot="16200000">
-            <a:off x="614880" y="919440"/>
-            <a:ext cx="3231360" cy="3313080"/>
+            <a:off x="614880" y="919800"/>
+            <a:ext cx="3231000" cy="3312720"/>
           </a:xfrm>
           <a:prstGeom prst="roundRect">
             <a:avLst>
@@ -17973,7 +17973,7 @@
         <p:spPr>
           <a:xfrm>
             <a:off x="4214160" y="456120"/>
-            <a:ext cx="4111200" cy="854640"/>
+            <a:ext cx="4110840" cy="854280"/>
           </a:xfrm>
           <a:prstGeom prst="rect">
             <a:avLst/>
@@ -18061,8 +18061,8 @@
         </p:nvSpPr>
         <p:spPr>
           <a:xfrm rot="2744400">
-            <a:off x="-280080" y="-25560"/>
-            <a:ext cx="703800" cy="703440"/>
+            <a:off x="-279720" y="-25560"/>
+            <a:ext cx="703440" cy="703080"/>
           </a:xfrm>
           <a:prstGeom prst="roundRect">
             <a:avLst>
@@ -18100,7 +18100,7 @@
         <p:spPr>
           <a:xfrm rot="2332200">
             <a:off x="6009120" y="-319680"/>
-            <a:ext cx="4854960" cy="7725960"/>
+            <a:ext cx="4854600" cy="7725600"/>
           </a:xfrm>
           <a:prstGeom prst="roundRect">
             <a:avLst>
@@ -18138,9 +18138,9 @@
         <p:grpSpPr>
           <a:xfrm>
             <a:off x="4571640" y="828000"/>
-            <a:ext cx="4467600" cy="3563640"/>
+            <a:ext cx="4467240" cy="3563280"/>
             <a:chOff x="4571640" y="828000"/>
-            <a:chExt cx="4467600" cy="3563640"/>
+            <a:chExt cx="4467240" cy="3563280"/>
           </a:xfrm>
         </p:grpSpPr>
         <p:pic>
@@ -18156,7 +18156,7 @@
           <p:spPr>
             <a:xfrm>
               <a:off x="4571640" y="828000"/>
-              <a:ext cx="4467600" cy="3563640"/>
+              <a:ext cx="4467240" cy="3563280"/>
             </a:xfrm>
             <a:prstGeom prst="rect">
               <a:avLst/>
@@ -18174,8 +18174,8 @@
           </p:nvSpPr>
           <p:spPr>
             <a:xfrm rot="16200000">
-              <a:off x="5962680" y="1159560"/>
-              <a:ext cx="1736640" cy="2770560"/>
+              <a:off x="5962680" y="1159920"/>
+              <a:ext cx="1736280" cy="2770200"/>
             </a:xfrm>
             <a:prstGeom prst="roundRect">
               <a:avLst>
@@ -18242,7 +18242,7 @@
         <p:spPr>
           <a:xfrm>
             <a:off x="5446080" y="1672200"/>
-            <a:ext cx="2770200" cy="1736640"/>
+            <a:ext cx="2769840" cy="1736280"/>
           </a:xfrm>
           <a:prstGeom prst="rect">
             <a:avLst/>
@@ -18294,7 +18294,7 @@
         <p:spPr>
           <a:xfrm>
             <a:off x="586440" y="1246680"/>
-            <a:ext cx="4003560" cy="3599280"/>
+            <a:ext cx="4003200" cy="3598920"/>
           </a:xfrm>
           <a:prstGeom prst="rect">
             <a:avLst/>
@@ -18346,7 +18346,7 @@
         <p:spPr>
           <a:xfrm>
             <a:off x="586440" y="453960"/>
-            <a:ext cx="4763520" cy="854640"/>
+            <a:ext cx="4763160" cy="854280"/>
           </a:xfrm>
           <a:prstGeom prst="rect">
             <a:avLst/>
@@ -18434,8 +18434,8 @@
         </p:nvSpPr>
         <p:spPr>
           <a:xfrm rot="2745600">
-            <a:off x="8349840" y="-668160"/>
-            <a:ext cx="1497600" cy="1497600"/>
+            <a:off x="8349840" y="-667800"/>
+            <a:ext cx="1497240" cy="1497240"/>
           </a:xfrm>
           <a:prstGeom prst="roundRect">
             <a:avLst>
@@ -18473,7 +18473,7 @@
         <p:spPr>
           <a:xfrm rot="2745600">
             <a:off x="7634160" y="-322200"/>
-            <a:ext cx="806400" cy="806760"/>
+            <a:ext cx="806040" cy="806400"/>
           </a:xfrm>
           <a:prstGeom prst="roundRect">
             <a:avLst>
@@ -18512,7 +18512,7 @@
         <p:spPr>
           <a:xfrm>
             <a:off x="586440" y="899640"/>
-            <a:ext cx="7931160" cy="1536480"/>
+            <a:ext cx="7930800" cy="1536120"/>
           </a:xfrm>
           <a:prstGeom prst="rect">
             <a:avLst/>
@@ -18564,7 +18564,7 @@
         <p:spPr>
           <a:xfrm>
             <a:off x="608040" y="2545560"/>
-            <a:ext cx="3711600" cy="2255040"/>
+            <a:ext cx="3711240" cy="2254680"/>
           </a:xfrm>
           <a:prstGeom prst="rect">
             <a:avLst/>
@@ -18616,7 +18616,7 @@
         <p:spPr>
           <a:xfrm>
             <a:off x="4806360" y="2545560"/>
-            <a:ext cx="3711600" cy="2255040"/>
+            <a:ext cx="3711240" cy="2254680"/>
           </a:xfrm>
           <a:prstGeom prst="rect">
             <a:avLst/>
@@ -18668,7 +18668,7 @@
         <p:spPr>
           <a:xfrm>
             <a:off x="583200" y="450720"/>
-            <a:ext cx="7197480" cy="511560"/>
+            <a:ext cx="7197120" cy="511200"/>
           </a:xfrm>
           <a:prstGeom prst="rect">
             <a:avLst/>
@@ -18750,7 +18750,7 @@
         <p:spPr>
           <a:xfrm>
             <a:off x="586440" y="1246680"/>
-            <a:ext cx="4003560" cy="3599280"/>
+            <a:ext cx="4003200" cy="3598920"/>
           </a:xfrm>
           <a:prstGeom prst="rect">
             <a:avLst/>
@@ -18802,7 +18802,7 @@
         <p:spPr>
           <a:xfrm>
             <a:off x="559800" y="446040"/>
-            <a:ext cx="4282920" cy="682920"/>
+            <a:ext cx="4282560" cy="682560"/>
           </a:xfrm>
           <a:prstGeom prst="rect">
             <a:avLst/>
@@ -18854,7 +18854,7 @@
         <p:spPr>
           <a:xfrm>
             <a:off x="5097600" y="360"/>
-            <a:ext cx="4379040" cy="5143320"/>
+            <a:ext cx="4378680" cy="5142960"/>
           </a:xfrm>
           <a:prstGeom prst="roundRect">
             <a:avLst>
@@ -18919,8 +18919,8 @@
         </p:nvSpPr>
         <p:spPr>
           <a:xfrm rot="2744400">
-            <a:off x="-280080" y="-25560"/>
-            <a:ext cx="703800" cy="703440"/>
+            <a:off x="-279720" y="-25560"/>
+            <a:ext cx="703440" cy="703080"/>
           </a:xfrm>
           <a:prstGeom prst="roundRect">
             <a:avLst>
@@ -18957,8 +18957,8 @@
         </p:nvSpPr>
         <p:spPr>
           <a:xfrm rot="2625600">
-            <a:off x="4861080" y="4146480"/>
-            <a:ext cx="467640" cy="467640"/>
+            <a:off x="4861080" y="4146120"/>
+            <a:ext cx="467280" cy="467280"/>
           </a:xfrm>
           <a:prstGeom prst="roundRect">
             <a:avLst>
@@ -19032,8 +19032,8 @@
         </p:nvSpPr>
         <p:spPr>
           <a:xfrm rot="2744400">
-            <a:off x="-349200" y="4539600"/>
-            <a:ext cx="703800" cy="703440"/>
+            <a:off x="-348840" y="4539240"/>
+            <a:ext cx="703440" cy="703080"/>
           </a:xfrm>
           <a:prstGeom prst="roundRect">
             <a:avLst>
@@ -19070,8 +19070,8 @@
         </p:nvSpPr>
         <p:spPr>
           <a:xfrm rot="19228200">
-            <a:off x="5845680" y="-2265840"/>
-            <a:ext cx="4854600" cy="7725600"/>
+            <a:off x="5845680" y="-2265480"/>
+            <a:ext cx="4854240" cy="7725240"/>
           </a:xfrm>
           <a:prstGeom prst="roundRect">
             <a:avLst>
@@ -19109,9 +19109,9 @@
         <p:grpSpPr>
           <a:xfrm>
             <a:off x="4571640" y="828000"/>
-            <a:ext cx="4467600" cy="3563640"/>
+            <a:ext cx="4467240" cy="3563280"/>
             <a:chOff x="4571640" y="828000"/>
-            <a:chExt cx="4467600" cy="3563640"/>
+            <a:chExt cx="4467240" cy="3563280"/>
           </a:xfrm>
         </p:grpSpPr>
         <p:pic>
@@ -19127,7 +19127,7 @@
           <p:spPr>
             <a:xfrm>
               <a:off x="4571640" y="828000"/>
-              <a:ext cx="4467600" cy="3563640"/>
+              <a:ext cx="4467240" cy="3563280"/>
             </a:xfrm>
             <a:prstGeom prst="rect">
               <a:avLst/>
@@ -19145,8 +19145,8 @@
           </p:nvSpPr>
           <p:spPr>
             <a:xfrm rot="16200000">
-              <a:off x="5962680" y="1159560"/>
-              <a:ext cx="1736640" cy="2770560"/>
+              <a:off x="5962680" y="1159920"/>
+              <a:ext cx="1736280" cy="2770200"/>
             </a:xfrm>
             <a:prstGeom prst="roundRect">
               <a:avLst>
@@ -19213,7 +19213,7 @@
         <p:spPr>
           <a:xfrm>
             <a:off x="586440" y="1246680"/>
-            <a:ext cx="4003560" cy="3599280"/>
+            <a:ext cx="4003200" cy="3598920"/>
           </a:xfrm>
           <a:prstGeom prst="rect">
             <a:avLst/>
@@ -19265,7 +19265,7 @@
         <p:spPr>
           <a:xfrm>
             <a:off x="5446080" y="1672200"/>
-            <a:ext cx="2779560" cy="1736640"/>
+            <a:ext cx="2779200" cy="1736280"/>
           </a:xfrm>
           <a:prstGeom prst="rect">
             <a:avLst/>
@@ -19317,7 +19317,7 @@
         <p:spPr>
           <a:xfrm>
             <a:off x="586440" y="453960"/>
-            <a:ext cx="3696120" cy="854640"/>
+            <a:ext cx="3695760" cy="854280"/>
           </a:xfrm>
           <a:prstGeom prst="rect">
             <a:avLst/>
@@ -19406,7 +19406,7 @@
         <p:spPr>
           <a:xfrm>
             <a:off x="4222080" y="1246680"/>
-            <a:ext cx="4114440" cy="3599280"/>
+            <a:ext cx="4114080" cy="3598920"/>
           </a:xfrm>
           <a:prstGeom prst="rect">
             <a:avLst/>
@@ -19457,8 +19457,8 @@
         </p:nvSpPr>
         <p:spPr>
           <a:xfrm rot="16200000">
-            <a:off x="-2181600" y="1734120"/>
-            <a:ext cx="5143320" cy="1683360"/>
+            <a:off x="-2181600" y="1734480"/>
+            <a:ext cx="5142960" cy="1683000"/>
           </a:xfrm>
           <a:prstGeom prst="roundRect">
             <a:avLst>
@@ -19495,8 +19495,8 @@
         </p:nvSpPr>
         <p:spPr>
           <a:xfrm rot="2745000">
-            <a:off x="8575200" y="103320"/>
-            <a:ext cx="1131840" cy="1131480"/>
+            <a:off x="8575200" y="102960"/>
+            <a:ext cx="1131480" cy="1131120"/>
           </a:xfrm>
           <a:prstGeom prst="roundRect">
             <a:avLst>
@@ -19533,8 +19533,8 @@
         </p:nvSpPr>
         <p:spPr>
           <a:xfrm rot="16200000">
-            <a:off x="614880" y="919440"/>
-            <a:ext cx="3231360" cy="3313080"/>
+            <a:off x="614880" y="919800"/>
+            <a:ext cx="3231000" cy="3312720"/>
           </a:xfrm>
           <a:prstGeom prst="roundRect">
             <a:avLst>
@@ -19600,7 +19600,7 @@
         <p:spPr>
           <a:xfrm>
             <a:off x="4214160" y="456120"/>
-            <a:ext cx="4111200" cy="854640"/>
+            <a:ext cx="4110840" cy="854280"/>
           </a:xfrm>
           <a:prstGeom prst="rect">
             <a:avLst/>
@@ -19689,7 +19689,7 @@
         <p:spPr>
           <a:xfrm>
             <a:off x="4222080" y="1246680"/>
-            <a:ext cx="4114440" cy="3599280"/>
+            <a:ext cx="4114080" cy="3598920"/>
           </a:xfrm>
           <a:prstGeom prst="rect">
             <a:avLst/>
@@ -19740,8 +19740,8 @@
         </p:nvSpPr>
         <p:spPr>
           <a:xfrm rot="16200000">
-            <a:off x="-2181600" y="1734120"/>
-            <a:ext cx="5143320" cy="1683360"/>
+            <a:off x="-2181600" y="1734480"/>
+            <a:ext cx="5142960" cy="1683000"/>
           </a:xfrm>
           <a:prstGeom prst="roundRect">
             <a:avLst>
@@ -19778,8 +19778,8 @@
         </p:nvSpPr>
         <p:spPr>
           <a:xfrm rot="2745000">
-            <a:off x="8575200" y="103320"/>
-            <a:ext cx="1131840" cy="1131480"/>
+            <a:off x="8575200" y="102960"/>
+            <a:ext cx="1131480" cy="1131120"/>
           </a:xfrm>
           <a:prstGeom prst="roundRect">
             <a:avLst>
@@ -19816,8 +19816,8 @@
         </p:nvSpPr>
         <p:spPr>
           <a:xfrm rot="16200000">
-            <a:off x="614880" y="919440"/>
-            <a:ext cx="3231360" cy="3313080"/>
+            <a:off x="614880" y="919800"/>
+            <a:ext cx="3231000" cy="3312720"/>
           </a:xfrm>
           <a:prstGeom prst="roundRect">
             <a:avLst>
@@ -19883,7 +19883,7 @@
         <p:spPr>
           <a:xfrm>
             <a:off x="4214160" y="456120"/>
-            <a:ext cx="4111200" cy="854640"/>
+            <a:ext cx="4110840" cy="854280"/>
           </a:xfrm>
           <a:prstGeom prst="rect">
             <a:avLst/>
@@ -19971,8 +19971,8 @@
         </p:nvSpPr>
         <p:spPr>
           <a:xfrm rot="2744400">
-            <a:off x="-280080" y="-25560"/>
-            <a:ext cx="703800" cy="703440"/>
+            <a:off x="-279720" y="-25560"/>
+            <a:ext cx="703440" cy="703080"/>
           </a:xfrm>
           <a:prstGeom prst="roundRect">
             <a:avLst>
@@ -20010,7 +20010,7 @@
         <p:spPr>
           <a:xfrm rot="2332200">
             <a:off x="6009120" y="-319680"/>
-            <a:ext cx="4854960" cy="7725960"/>
+            <a:ext cx="4854600" cy="7725600"/>
           </a:xfrm>
           <a:prstGeom prst="roundRect">
             <a:avLst>
@@ -20048,9 +20048,9 @@
         <p:grpSpPr>
           <a:xfrm>
             <a:off x="4571640" y="828000"/>
-            <a:ext cx="4467600" cy="3563640"/>
+            <a:ext cx="4467240" cy="3563280"/>
             <a:chOff x="4571640" y="828000"/>
-            <a:chExt cx="4467600" cy="3563640"/>
+            <a:chExt cx="4467240" cy="3563280"/>
           </a:xfrm>
         </p:grpSpPr>
         <p:pic>
@@ -20066,7 +20066,7 @@
           <p:spPr>
             <a:xfrm>
               <a:off x="4571640" y="828000"/>
-              <a:ext cx="4467600" cy="3563640"/>
+              <a:ext cx="4467240" cy="3563280"/>
             </a:xfrm>
             <a:prstGeom prst="rect">
               <a:avLst/>
@@ -20084,8 +20084,8 @@
           </p:nvSpPr>
           <p:spPr>
             <a:xfrm rot="16200000">
-              <a:off x="5962680" y="1159560"/>
-              <a:ext cx="1736640" cy="2770560"/>
+              <a:off x="5962680" y="1159920"/>
+              <a:ext cx="1736280" cy="2770200"/>
             </a:xfrm>
             <a:prstGeom prst="roundRect">
               <a:avLst>
@@ -20152,7 +20152,7 @@
         <p:spPr>
           <a:xfrm>
             <a:off x="5446080" y="1672200"/>
-            <a:ext cx="2770200" cy="1736640"/>
+            <a:ext cx="2769840" cy="1736280"/>
           </a:xfrm>
           <a:prstGeom prst="rect">
             <a:avLst/>
@@ -20204,7 +20204,7 @@
         <p:spPr>
           <a:xfrm>
             <a:off x="586440" y="1246680"/>
-            <a:ext cx="4003560" cy="3599280"/>
+            <a:ext cx="4003200" cy="3598920"/>
           </a:xfrm>
           <a:prstGeom prst="rect">
             <a:avLst/>
@@ -20256,7 +20256,7 @@
         <p:spPr>
           <a:xfrm>
             <a:off x="586440" y="453960"/>
-            <a:ext cx="4763520" cy="854640"/>
+            <a:ext cx="4763160" cy="854280"/>
           </a:xfrm>
           <a:prstGeom prst="rect">
             <a:avLst/>
@@ -20344,8 +20344,8 @@
         </p:nvSpPr>
         <p:spPr>
           <a:xfrm rot="2744400">
-            <a:off x="-280080" y="-25560"/>
-            <a:ext cx="703800" cy="703440"/>
+            <a:off x="-279720" y="-25560"/>
+            <a:ext cx="703440" cy="703080"/>
           </a:xfrm>
           <a:prstGeom prst="roundRect">
             <a:avLst>
@@ -20383,7 +20383,7 @@
         <p:spPr>
           <a:xfrm>
             <a:off x="569160" y="1888920"/>
-            <a:ext cx="4820400" cy="820800"/>
+            <a:ext cx="4820040" cy="820800"/>
           </a:xfrm>
           <a:prstGeom prst="rect">
             <a:avLst/>
@@ -20434,8 +20434,8 @@
         </p:nvSpPr>
         <p:spPr>
           <a:xfrm rot="18679800">
-            <a:off x="6782040" y="457920"/>
-            <a:ext cx="6249960" cy="4665600"/>
+            <a:off x="6781680" y="457920"/>
+            <a:ext cx="6249600" cy="4665240"/>
           </a:xfrm>
           <a:prstGeom prst="roundRect">
             <a:avLst>
@@ -20472,8 +20472,8 @@
         </p:nvSpPr>
         <p:spPr>
           <a:xfrm rot="2625600">
-            <a:off x="6024960" y="4332600"/>
-            <a:ext cx="467640" cy="467640"/>
+            <a:off x="6024960" y="4332240"/>
+            <a:ext cx="467280" cy="467280"/>
           </a:xfrm>
           <a:prstGeom prst="roundRect">
             <a:avLst>
@@ -20511,7 +20511,7 @@
         <p:spPr>
           <a:xfrm>
             <a:off x="1640880" y="4592880"/>
-            <a:ext cx="2994840" cy="265680"/>
+            <a:ext cx="2994480" cy="265320"/>
           </a:xfrm>
           <a:prstGeom prst="rect">
             <a:avLst/>
@@ -20573,7 +20573,7 @@
         <p:spPr>
           <a:xfrm>
             <a:off x="867240" y="3590280"/>
-            <a:ext cx="252720" cy="253080"/>
+            <a:ext cx="252360" cy="252720"/>
           </a:xfrm>
           <a:prstGeom prst="ellipse">
             <a:avLst/>
@@ -20608,7 +20608,7 @@
         <p:spPr>
           <a:xfrm>
             <a:off x="351000" y="3793320"/>
-            <a:ext cx="1285200" cy="1130760"/>
+            <a:ext cx="1284840" cy="1130400"/>
           </a:xfrm>
           <a:prstGeom prst="rect">
             <a:avLst/>
@@ -20663,8 +20663,8 @@
         </p:nvSpPr>
         <p:spPr>
           <a:xfrm rot="2744400">
-            <a:off x="-280080" y="-25560"/>
-            <a:ext cx="703800" cy="703440"/>
+            <a:off x="-279720" y="-25560"/>
+            <a:ext cx="703440" cy="703080"/>
           </a:xfrm>
           <a:prstGeom prst="roundRect">
             <a:avLst>
@@ -20702,7 +20702,7 @@
         <p:spPr>
           <a:xfrm rot="2332200">
             <a:off x="6009120" y="-319680"/>
-            <a:ext cx="4854960" cy="7725960"/>
+            <a:ext cx="4854600" cy="7725600"/>
           </a:xfrm>
           <a:prstGeom prst="roundRect">
             <a:avLst>
@@ -20740,9 +20740,9 @@
         <p:grpSpPr>
           <a:xfrm>
             <a:off x="4571640" y="828000"/>
-            <a:ext cx="4467600" cy="3563640"/>
+            <a:ext cx="4467240" cy="3563280"/>
             <a:chOff x="4571640" y="828000"/>
-            <a:chExt cx="4467600" cy="3563640"/>
+            <a:chExt cx="4467240" cy="3563280"/>
           </a:xfrm>
         </p:grpSpPr>
         <p:pic>
@@ -20758,7 +20758,7 @@
           <p:spPr>
             <a:xfrm>
               <a:off x="4571640" y="828000"/>
-              <a:ext cx="4467600" cy="3563640"/>
+              <a:ext cx="4467240" cy="3563280"/>
             </a:xfrm>
             <a:prstGeom prst="rect">
               <a:avLst/>
@@ -20776,8 +20776,8 @@
           </p:nvSpPr>
           <p:spPr>
             <a:xfrm rot="16200000">
-              <a:off x="5962680" y="1159560"/>
-              <a:ext cx="1736640" cy="2770560"/>
+              <a:off x="5962680" y="1159920"/>
+              <a:ext cx="1736280" cy="2770200"/>
             </a:xfrm>
             <a:prstGeom prst="roundRect">
               <a:avLst>
@@ -20844,7 +20844,7 @@
         <p:spPr>
           <a:xfrm>
             <a:off x="5446080" y="1672200"/>
-            <a:ext cx="2770200" cy="1736640"/>
+            <a:ext cx="2769840" cy="1736280"/>
           </a:xfrm>
           <a:prstGeom prst="rect">
             <a:avLst/>
@@ -20896,7 +20896,7 @@
         <p:spPr>
           <a:xfrm>
             <a:off x="586440" y="1246680"/>
-            <a:ext cx="4003560" cy="3599280"/>
+            <a:ext cx="4003200" cy="3598920"/>
           </a:xfrm>
           <a:prstGeom prst="rect">
             <a:avLst/>
@@ -20948,7 +20948,7 @@
         <p:spPr>
           <a:xfrm>
             <a:off x="586440" y="453960"/>
-            <a:ext cx="4763520" cy="854640"/>
+            <a:ext cx="4763160" cy="854280"/>
           </a:xfrm>
           <a:prstGeom prst="rect">
             <a:avLst/>
@@ -21036,8 +21036,8 @@
         </p:nvSpPr>
         <p:spPr>
           <a:xfrm rot="2745600">
-            <a:off x="8349840" y="-668160"/>
-            <a:ext cx="1497600" cy="1497600"/>
+            <a:off x="8349840" y="-667800"/>
+            <a:ext cx="1497240" cy="1497240"/>
           </a:xfrm>
           <a:prstGeom prst="roundRect">
             <a:avLst>
@@ -21075,7 +21075,7 @@
         <p:spPr>
           <a:xfrm rot="2745600">
             <a:off x="7634160" y="-322200"/>
-            <a:ext cx="806400" cy="806760"/>
+            <a:ext cx="806040" cy="806400"/>
           </a:xfrm>
           <a:prstGeom prst="roundRect">
             <a:avLst>
@@ -21114,7 +21114,7 @@
         <p:spPr>
           <a:xfrm>
             <a:off x="586440" y="899640"/>
-            <a:ext cx="7931160" cy="1536480"/>
+            <a:ext cx="7930800" cy="1536120"/>
           </a:xfrm>
           <a:prstGeom prst="rect">
             <a:avLst/>
@@ -21166,7 +21166,7 @@
         <p:spPr>
           <a:xfrm>
             <a:off x="608040" y="2545560"/>
-            <a:ext cx="3711600" cy="2255040"/>
+            <a:ext cx="3711240" cy="2254680"/>
           </a:xfrm>
           <a:prstGeom prst="rect">
             <a:avLst/>
@@ -21218,7 +21218,7 @@
         <p:spPr>
           <a:xfrm>
             <a:off x="4806360" y="2545560"/>
-            <a:ext cx="3711600" cy="2255040"/>
+            <a:ext cx="3711240" cy="2254680"/>
           </a:xfrm>
           <a:prstGeom prst="rect">
             <a:avLst/>
@@ -21270,7 +21270,7 @@
         <p:spPr>
           <a:xfrm>
             <a:off x="583200" y="450720"/>
-            <a:ext cx="7197480" cy="511560"/>
+            <a:ext cx="7197120" cy="511200"/>
           </a:xfrm>
           <a:prstGeom prst="rect">
             <a:avLst/>
@@ -21352,7 +21352,7 @@
         <p:spPr>
           <a:xfrm>
             <a:off x="586440" y="1246680"/>
-            <a:ext cx="4003560" cy="3599280"/>
+            <a:ext cx="4003200" cy="3598920"/>
           </a:xfrm>
           <a:prstGeom prst="rect">
             <a:avLst/>
@@ -21404,7 +21404,7 @@
         <p:spPr>
           <a:xfrm>
             <a:off x="559800" y="446040"/>
-            <a:ext cx="4282920" cy="682920"/>
+            <a:ext cx="4282560" cy="682560"/>
           </a:xfrm>
           <a:prstGeom prst="rect">
             <a:avLst/>
@@ -21456,7 +21456,7 @@
         <p:spPr>
           <a:xfrm>
             <a:off x="5097600" y="360"/>
-            <a:ext cx="4379040" cy="5143320"/>
+            <a:ext cx="4378680" cy="5142960"/>
           </a:xfrm>
           <a:prstGeom prst="roundRect">
             <a:avLst>
@@ -21521,8 +21521,8 @@
         </p:nvSpPr>
         <p:spPr>
           <a:xfrm rot="2744400">
-            <a:off x="-280080" y="-25560"/>
-            <a:ext cx="703800" cy="703440"/>
+            <a:off x="-279720" y="-25560"/>
+            <a:ext cx="703440" cy="703080"/>
           </a:xfrm>
           <a:prstGeom prst="roundRect">
             <a:avLst>
@@ -21559,8 +21559,8 @@
         </p:nvSpPr>
         <p:spPr>
           <a:xfrm rot="2625600">
-            <a:off x="4861080" y="4146480"/>
-            <a:ext cx="467640" cy="467640"/>
+            <a:off x="4861080" y="4146120"/>
+            <a:ext cx="467280" cy="467280"/>
           </a:xfrm>
           <a:prstGeom prst="roundRect">
             <a:avLst>
@@ -21634,8 +21634,8 @@
         </p:nvSpPr>
         <p:spPr>
           <a:xfrm rot="2744400">
-            <a:off x="-349200" y="4539600"/>
-            <a:ext cx="703800" cy="703440"/>
+            <a:off x="-348840" y="4539240"/>
+            <a:ext cx="703440" cy="703080"/>
           </a:xfrm>
           <a:prstGeom prst="roundRect">
             <a:avLst>
@@ -21672,8 +21672,8 @@
         </p:nvSpPr>
         <p:spPr>
           <a:xfrm rot="19228200">
-            <a:off x="5845680" y="-2265840"/>
-            <a:ext cx="4854600" cy="7725600"/>
+            <a:off x="5845680" y="-2265480"/>
+            <a:ext cx="4854240" cy="7725240"/>
           </a:xfrm>
           <a:prstGeom prst="roundRect">
             <a:avLst>
@@ -21711,9 +21711,9 @@
         <p:grpSpPr>
           <a:xfrm>
             <a:off x="4571640" y="828000"/>
-            <a:ext cx="4467600" cy="3563640"/>
+            <a:ext cx="4467240" cy="3563280"/>
             <a:chOff x="4571640" y="828000"/>
-            <a:chExt cx="4467600" cy="3563640"/>
+            <a:chExt cx="4467240" cy="3563280"/>
           </a:xfrm>
         </p:grpSpPr>
         <p:pic>
@@ -21729,7 +21729,7 @@
           <p:spPr>
             <a:xfrm>
               <a:off x="4571640" y="828000"/>
-              <a:ext cx="4467600" cy="3563640"/>
+              <a:ext cx="4467240" cy="3563280"/>
             </a:xfrm>
             <a:prstGeom prst="rect">
               <a:avLst/>
@@ -21747,8 +21747,8 @@
           </p:nvSpPr>
           <p:spPr>
             <a:xfrm rot="16200000">
-              <a:off x="5962680" y="1159560"/>
-              <a:ext cx="1736640" cy="2770560"/>
+              <a:off x="5962680" y="1159920"/>
+              <a:ext cx="1736280" cy="2770200"/>
             </a:xfrm>
             <a:prstGeom prst="roundRect">
               <a:avLst>
@@ -21815,7 +21815,7 @@
         <p:spPr>
           <a:xfrm>
             <a:off x="586440" y="1246680"/>
-            <a:ext cx="4003560" cy="3599280"/>
+            <a:ext cx="4003200" cy="3598920"/>
           </a:xfrm>
           <a:prstGeom prst="rect">
             <a:avLst/>
@@ -21867,7 +21867,7 @@
         <p:spPr>
           <a:xfrm>
             <a:off x="5446080" y="1672200"/>
-            <a:ext cx="2779560" cy="1736640"/>
+            <a:ext cx="2779200" cy="1736280"/>
           </a:xfrm>
           <a:prstGeom prst="rect">
             <a:avLst/>
@@ -21919,7 +21919,7 @@
         <p:spPr>
           <a:xfrm>
             <a:off x="586440" y="453960"/>
-            <a:ext cx="3696120" cy="854640"/>
+            <a:ext cx="3695760" cy="854280"/>
           </a:xfrm>
           <a:prstGeom prst="rect">
             <a:avLst/>
@@ -22008,7 +22008,7 @@
         <p:spPr>
           <a:xfrm>
             <a:off x="4222080" y="1246680"/>
-            <a:ext cx="4114440" cy="3599280"/>
+            <a:ext cx="4114080" cy="3598920"/>
           </a:xfrm>
           <a:prstGeom prst="rect">
             <a:avLst/>
@@ -22059,8 +22059,8 @@
         </p:nvSpPr>
         <p:spPr>
           <a:xfrm rot="16200000">
-            <a:off x="-2181600" y="1734120"/>
-            <a:ext cx="5143320" cy="1683360"/>
+            <a:off x="-2181600" y="1734480"/>
+            <a:ext cx="5142960" cy="1683000"/>
           </a:xfrm>
           <a:prstGeom prst="roundRect">
             <a:avLst>
@@ -22097,8 +22097,8 @@
         </p:nvSpPr>
         <p:spPr>
           <a:xfrm rot="2745000">
-            <a:off x="8575200" y="103320"/>
-            <a:ext cx="1131840" cy="1131480"/>
+            <a:off x="8575200" y="102960"/>
+            <a:ext cx="1131480" cy="1131120"/>
           </a:xfrm>
           <a:prstGeom prst="roundRect">
             <a:avLst>
@@ -22135,8 +22135,8 @@
         </p:nvSpPr>
         <p:spPr>
           <a:xfrm rot="16200000">
-            <a:off x="614880" y="919440"/>
-            <a:ext cx="3231360" cy="3313080"/>
+            <a:off x="614880" y="919800"/>
+            <a:ext cx="3231000" cy="3312720"/>
           </a:xfrm>
           <a:prstGeom prst="roundRect">
             <a:avLst>
@@ -22202,7 +22202,7 @@
         <p:spPr>
           <a:xfrm>
             <a:off x="4214160" y="456120"/>
-            <a:ext cx="4111200" cy="854640"/>
+            <a:ext cx="4110840" cy="854280"/>
           </a:xfrm>
           <a:prstGeom prst="rect">
             <a:avLst/>
